--- a/TeamCassava_Presentation.pptx
+++ b/TeamCassava_Presentation.pptx
@@ -5,24 +5,27 @@
     <p:sldMasterId id="2147483660" r:id="rId1"/>
   </p:sldMasterIdLst>
   <p:notesMasterIdLst>
-    <p:notesMasterId r:id="rId17"/>
+    <p:notesMasterId r:id="rId20"/>
   </p:notesMasterIdLst>
   <p:sldIdLst>
     <p:sldId id="258" r:id="rId2"/>
     <p:sldId id="262" r:id="rId3"/>
-    <p:sldId id="263" r:id="rId4"/>
-    <p:sldId id="269" r:id="rId5"/>
-    <p:sldId id="271" r:id="rId6"/>
-    <p:sldId id="270" r:id="rId7"/>
-    <p:sldId id="275" r:id="rId8"/>
-    <p:sldId id="268" r:id="rId9"/>
-    <p:sldId id="265" r:id="rId10"/>
-    <p:sldId id="264" r:id="rId11"/>
-    <p:sldId id="276" r:id="rId12"/>
-    <p:sldId id="273" r:id="rId13"/>
-    <p:sldId id="261" r:id="rId14"/>
-    <p:sldId id="277" r:id="rId15"/>
-    <p:sldId id="278" r:id="rId16"/>
+    <p:sldId id="279" r:id="rId4"/>
+    <p:sldId id="263" r:id="rId5"/>
+    <p:sldId id="269" r:id="rId6"/>
+    <p:sldId id="271" r:id="rId7"/>
+    <p:sldId id="270" r:id="rId8"/>
+    <p:sldId id="275" r:id="rId9"/>
+    <p:sldId id="268" r:id="rId10"/>
+    <p:sldId id="265" r:id="rId11"/>
+    <p:sldId id="264" r:id="rId12"/>
+    <p:sldId id="276" r:id="rId13"/>
+    <p:sldId id="280" r:id="rId14"/>
+    <p:sldId id="281" r:id="rId15"/>
+    <p:sldId id="273" r:id="rId16"/>
+    <p:sldId id="261" r:id="rId17"/>
+    <p:sldId id="277" r:id="rId18"/>
+    <p:sldId id="278" r:id="rId19"/>
   </p:sldIdLst>
   <p:sldSz cx="12192000" cy="6858000"/>
   <p:notesSz cx="6858000" cy="9144000"/>
@@ -546,7 +549,7 @@
           <a:p>
             <a:fld id="{20D5355B-517B-4528-9EFB-854D1025F08E}" type="slidenum">
               <a:rPr lang="en-US" smtClean="0"/>
-              <a:t>3</a:t>
+              <a:t>4</a:t>
             </a:fld>
             <a:endParaRPr lang="en-US"/>
           </a:p>
@@ -633,7 +636,7 @@
           <a:p>
             <a:fld id="{20D5355B-517B-4528-9EFB-854D1025F08E}" type="slidenum">
               <a:rPr lang="en-US" smtClean="0"/>
-              <a:t>4</a:t>
+              <a:t>5</a:t>
             </a:fld>
             <a:endParaRPr lang="en-US"/>
           </a:p>
@@ -720,7 +723,7 @@
           <a:p>
             <a:fld id="{20D5355B-517B-4528-9EFB-854D1025F08E}" type="slidenum">
               <a:rPr lang="en-US" smtClean="0"/>
-              <a:t>5</a:t>
+              <a:t>6</a:t>
             </a:fld>
             <a:endParaRPr lang="en-US"/>
           </a:p>
@@ -785,6 +788,28 @@
           <a:p>
             <a:r>
               <a:rPr lang="en-US" dirty="0"/>
+              <a:t>1. Disney owns  </a:t>
+            </a:r>
+            <a:r>
+              <a:rPr lang="en-US" dirty="0" err="1"/>
+              <a:t>pixar</a:t>
+            </a:r>
+            <a:r>
+              <a:rPr lang="en-US" dirty="0"/>
+              <a:t>, </a:t>
+            </a:r>
+            <a:r>
+              <a:rPr lang="en-US" dirty="0" err="1"/>
+              <a:t>espn</a:t>
+            </a:r>
+            <a:r>
+              <a:rPr lang="en-US" dirty="0"/>
+              <a:t>, marvel </a:t>
+            </a:r>
+          </a:p>
+          <a:p>
+            <a:r>
+              <a:rPr lang="en-US" dirty="0"/>
               <a:t>1. When major studios want to acquire subsidiaries, they use many factors among which is profitability, </a:t>
             </a:r>
           </a:p>
@@ -807,7 +832,7 @@
           <a:p>
             <a:fld id="{20D5355B-517B-4528-9EFB-854D1025F08E}" type="slidenum">
               <a:rPr lang="en-US" smtClean="0"/>
-              <a:t>6</a:t>
+              <a:t>7</a:t>
             </a:fld>
             <a:endParaRPr lang="en-US"/>
           </a:p>
@@ -1068,7 +1093,7 @@
           <a:bodyPr/>
           <a:lstStyle/>
           <a:p>
-            <a:fld id="{9184DA70-C731-4C70-880D-CCD4705E623C}" type="datetime1">
+            <a:fld id="{91ACC7B2-22C8-4D6D-B12F-ECCFF23EC2A8}" type="datetime1">
               <a:rPr lang="en-US" smtClean="0"/>
               <a:t>3/4/2021</a:t>
             </a:fld>
@@ -1256,7 +1281,7 @@
           <a:bodyPr/>
           <a:lstStyle/>
           <a:p>
-            <a:fld id="{B612A279-0833-481D-8C56-F67FD0AC6C50}" type="datetime1">
+            <a:fld id="{6B85A29A-3D99-4F28-A594-AD64B11FB32F}" type="datetime1">
               <a:rPr lang="en-US" smtClean="0"/>
               <a:t>3/4/2021</a:t>
             </a:fld>
@@ -1498,7 +1523,7 @@
           <a:bodyPr/>
           <a:lstStyle/>
           <a:p>
-            <a:fld id="{6587DA83-5663-4C9C-B9AA-0B40A3DAFF81}" type="datetime1">
+            <a:fld id="{BABFBEF6-8938-4165-82DA-9D8972DED5CB}" type="datetime1">
               <a:rPr lang="en-US" smtClean="0"/>
               <a:t>3/4/2021</a:t>
             </a:fld>
@@ -1686,7 +1711,7 @@
           <a:bodyPr/>
           <a:lstStyle/>
           <a:p>
-            <a:fld id="{4BE1D723-8F53-4F53-90B0-1982A396982E}" type="datetime1">
+            <a:fld id="{760B8DC2-1308-431D-9289-3FCC43C74E3F}" type="datetime1">
               <a:rPr lang="en-US" smtClean="0"/>
               <a:t>3/4/2021</a:t>
             </a:fld>
@@ -2059,7 +2084,7 @@
           <a:bodyPr/>
           <a:lstStyle/>
           <a:p>
-            <a:fld id="{97669AF7-7BEB-44E4-9852-375E34362B5B}" type="datetime1">
+            <a:fld id="{42FAB591-ADF3-4718-B884-AB2A4E05F5D0}" type="datetime1">
               <a:rPr lang="en-US" smtClean="0"/>
               <a:t>3/4/2021</a:t>
             </a:fld>
@@ -2314,7 +2339,7 @@
           <a:bodyPr/>
           <a:lstStyle/>
           <a:p>
-            <a:fld id="{BAAAC38D-0552-4C82-B593-E6124DFADBE2}" type="datetime1">
+            <a:fld id="{B754690F-6A85-4AD5-85A5-68B6A5089C3C}" type="datetime1">
               <a:rPr lang="en-US" smtClean="0"/>
               <a:t>3/4/2021</a:t>
             </a:fld>
@@ -2711,7 +2736,7 @@
           <a:bodyPr/>
           <a:lstStyle/>
           <a:p>
-            <a:fld id="{D9DF0F1C-5577-4ACB-BB62-DF8F3C494C7E}" type="datetime1">
+            <a:fld id="{1001156C-A49E-4E54-9155-869F96AA24A3}" type="datetime1">
               <a:rPr lang="en-US" smtClean="0"/>
               <a:t>3/4/2021</a:t>
             </a:fld>
@@ -2847,7 +2872,7 @@
           <a:bodyPr/>
           <a:lstStyle/>
           <a:p>
-            <a:fld id="{1775B394-D9F9-4F0C-B15D-605F45CB9E9F}" type="datetime1">
+            <a:fld id="{6F364E5A-6BE6-425F-A198-7455A2F54B8B}" type="datetime1">
               <a:rPr lang="en-US" smtClean="0"/>
               <a:t>3/4/2021</a:t>
             </a:fld>
@@ -3004,7 +3029,7 @@
           <a:bodyPr/>
           <a:lstStyle/>
           <a:p>
-            <a:fld id="{39667345-2558-425A-8533-9BFDBCE15005}" type="datetime1">
+            <a:fld id="{6589B324-F18F-4AF2-BE17-30F98C2B6F82}" type="datetime1">
               <a:rPr lang="en-US" smtClean="0"/>
               <a:t>3/4/2021</a:t>
             </a:fld>
@@ -3333,7 +3358,7 @@
             </a:lvl1pPr>
           </a:lstStyle>
           <a:p>
-            <a:fld id="{92BEA474-078D-4E9B-9B14-09A87B19DC46}" type="datetime1">
+            <a:fld id="{5598AE5E-A27B-4420-AC31-A3EE493C0BC4}" type="datetime1">
               <a:rPr lang="en-US" smtClean="0"/>
               <a:t>3/4/2021</a:t>
             </a:fld>
@@ -3683,7 +3708,7 @@
             </a:lvl1pPr>
           </a:lstStyle>
           <a:p>
-            <a:fld id="{4907D986-8816-4272-A432-0437A28A9828}" type="datetime1">
+            <a:fld id="{FECCB52B-4597-4903-B577-7E14B02449A2}" type="datetime1">
               <a:rPr lang="en-US" smtClean="0"/>
               <a:t>3/4/2021</a:t>
             </a:fld>
@@ -3944,7 +3969,7 @@
             </a:lvl1pPr>
           </a:lstStyle>
           <a:p>
-            <a:fld id="{62D6E202-B606-4609-B914-27C9371A1F6D}" type="datetime1">
+            <a:fld id="{34C19D79-ABC7-4CA1-906B-A4CE7E71E763}" type="datetime1">
               <a:rPr lang="en-US" smtClean="0"/>
               <a:t>3/4/2021</a:t>
             </a:fld>
@@ -4091,7 +4116,7 @@
     <p:sldLayoutId id="2147483662" r:id="rId10"/>
     <p:sldLayoutId id="2147483661" r:id="rId11"/>
   </p:sldLayoutIdLst>
-  <p:hf sldNum="0" hdr="0" ftr="0" dt="0"/>
+  <p:hf hdr="0" dt="0"/>
   <p:txStyles>
     <p:titleStyle>
       <a:lvl1pPr algn="l" defTabSz="914400" rtl="0" eaLnBrk="1" latinLnBrk="0" hangingPunct="1">
@@ -4485,7 +4510,12 @@
             <p:ph type="ctrTitle"/>
           </p:nvPr>
         </p:nvSpPr>
-        <p:spPr/>
+        <p:spPr>
+          <a:xfrm>
+            <a:off x="1179576" y="123444"/>
+            <a:ext cx="10058400" cy="1892808"/>
+          </a:xfrm>
+        </p:spPr>
         <p:txBody>
           <a:bodyPr/>
           <a:lstStyle/>
@@ -4513,15 +4543,192 @@
             <p:ph type="subTitle" idx="1"/>
           </p:nvPr>
         </p:nvSpPr>
+        <p:spPr>
+          <a:xfrm>
+            <a:off x="1179576" y="2569464"/>
+            <a:ext cx="10058400" cy="3054096"/>
+          </a:xfrm>
+        </p:spPr>
+        <p:txBody>
+          <a:bodyPr>
+            <a:normAutofit/>
+          </a:bodyPr>
+          <a:lstStyle/>
+          <a:p>
+            <a:pPr>
+              <a:lnSpc>
+                <a:spcPct val="100000"/>
+              </a:lnSpc>
+            </a:pPr>
+            <a:r>
+              <a:rPr lang="en-US" sz="1400" b="1" dirty="0"/>
+              <a:t>Team members: </a:t>
+            </a:r>
+          </a:p>
+          <a:p>
+            <a:pPr marL="285750" indent="-285750">
+              <a:lnSpc>
+                <a:spcPct val="100000"/>
+              </a:lnSpc>
+              <a:buFont typeface="Arial" panose="020B0604020202020204" pitchFamily="34" charset="0"/>
+              <a:buChar char="•"/>
+            </a:pPr>
+            <a:r>
+              <a:rPr lang="en-US" sz="1400" dirty="0">
+                <a:latin typeface="Arial Nova Cond" panose="020B0506020202020204" pitchFamily="34" charset="0"/>
+              </a:rPr>
+              <a:t>Felix </a:t>
+            </a:r>
+            <a:r>
+              <a:rPr lang="en-US" sz="1400" dirty="0" err="1">
+                <a:latin typeface="Arial Nova Cond" panose="020B0506020202020204" pitchFamily="34" charset="0"/>
+              </a:rPr>
+              <a:t>Kimeu</a:t>
+            </a:r>
+            <a:r>
+              <a:rPr lang="en-US" sz="1400" dirty="0">
+                <a:latin typeface="Arial Nova Cond" panose="020B0506020202020204" pitchFamily="34" charset="0"/>
+              </a:rPr>
+              <a:t>, </a:t>
+            </a:r>
+          </a:p>
+          <a:p>
+            <a:pPr marL="285750" indent="-285750">
+              <a:lnSpc>
+                <a:spcPct val="100000"/>
+              </a:lnSpc>
+              <a:buFont typeface="Arial" panose="020B0604020202020204" pitchFamily="34" charset="0"/>
+              <a:buChar char="•"/>
+            </a:pPr>
+            <a:r>
+              <a:rPr lang="en-US" sz="1400" dirty="0">
+                <a:latin typeface="Arial Nova Cond" panose="020B0506020202020204" pitchFamily="34" charset="0"/>
+              </a:rPr>
+              <a:t>Charles </a:t>
+            </a:r>
+            <a:r>
+              <a:rPr lang="en-US" sz="1400" dirty="0" err="1">
+                <a:latin typeface="Arial Nova Cond" panose="020B0506020202020204" pitchFamily="34" charset="0"/>
+              </a:rPr>
+              <a:t>owusu-Ansah,</a:t>
+            </a:r>
+            <a:r>
+              <a:rPr lang="en-US" sz="1400" dirty="0">
+                <a:latin typeface="Arial Nova Cond" panose="020B0506020202020204" pitchFamily="34" charset="0"/>
+              </a:rPr>
+              <a:t> </a:t>
+            </a:r>
+          </a:p>
+          <a:p>
+            <a:pPr marL="285750" indent="-285750">
+              <a:lnSpc>
+                <a:spcPct val="100000"/>
+              </a:lnSpc>
+              <a:buFont typeface="Arial" panose="020B0604020202020204" pitchFamily="34" charset="0"/>
+              <a:buChar char="•"/>
+            </a:pPr>
+            <a:r>
+              <a:rPr lang="en-US" sz="1400" dirty="0">
+                <a:latin typeface="Arial Nova Cond" panose="020B0506020202020204" pitchFamily="34" charset="0"/>
+              </a:rPr>
+              <a:t>Ruth </a:t>
+            </a:r>
+            <a:r>
+              <a:rPr lang="en-US" sz="1400" dirty="0" err="1">
+                <a:latin typeface="Arial Nova Cond" panose="020B0506020202020204" pitchFamily="34" charset="0"/>
+              </a:rPr>
+              <a:t>achiaa</a:t>
+            </a:r>
+            <a:r>
+              <a:rPr lang="en-US" sz="1400" dirty="0">
+                <a:latin typeface="Arial Nova Cond" panose="020B0506020202020204" pitchFamily="34" charset="0"/>
+              </a:rPr>
+              <a:t> Frimpong, </a:t>
+            </a:r>
+          </a:p>
+          <a:p>
+            <a:pPr marL="285750" indent="-285750">
+              <a:lnSpc>
+                <a:spcPct val="100000"/>
+              </a:lnSpc>
+              <a:buFont typeface="Arial" panose="020B0604020202020204" pitchFamily="34" charset="0"/>
+              <a:buChar char="•"/>
+            </a:pPr>
+            <a:r>
+              <a:rPr lang="en-US" sz="1400" dirty="0" err="1">
+                <a:latin typeface="Arial Nova Cond" panose="020B0506020202020204" pitchFamily="34" charset="0"/>
+              </a:rPr>
+              <a:t>brandon</a:t>
+            </a:r>
+            <a:r>
+              <a:rPr lang="en-US" sz="1400" dirty="0">
+                <a:latin typeface="Arial Nova Cond" panose="020B0506020202020204" pitchFamily="34" charset="0"/>
+              </a:rPr>
+              <a:t> </a:t>
+            </a:r>
+            <a:r>
+              <a:rPr lang="en-US" sz="1400" dirty="0" err="1">
+                <a:latin typeface="Arial Nova Cond" panose="020B0506020202020204" pitchFamily="34" charset="0"/>
+              </a:rPr>
+              <a:t>obasogie</a:t>
+            </a:r>
+            <a:endParaRPr lang="en-US" sz="1400" dirty="0">
+              <a:latin typeface="Arial Nova Cond" panose="020B0506020202020204" pitchFamily="34" charset="0"/>
+            </a:endParaRPr>
+          </a:p>
+        </p:txBody>
+      </p:sp>
+      <p:sp>
+        <p:nvSpPr>
+          <p:cNvPr id="4" name="Footer Placeholder 3">
+            <a:extLst>
+              <a:ext uri="{FF2B5EF4-FFF2-40B4-BE49-F238E27FC236}">
+                <a16:creationId xmlns:a16="http://schemas.microsoft.com/office/drawing/2014/main" id="{52837125-DD08-463D-828A-F6A8B6F5BAED}"/>
+              </a:ext>
+            </a:extLst>
+          </p:cNvPr>
+          <p:cNvSpPr>
+            <a:spLocks noGrp="1"/>
+          </p:cNvSpPr>
+          <p:nvPr>
+            <p:ph type="ftr" sz="quarter" idx="11"/>
+          </p:nvPr>
+        </p:nvSpPr>
         <p:spPr/>
         <p:txBody>
           <a:bodyPr/>
           <a:lstStyle/>
           <a:p>
-            <a:r>
-              <a:rPr lang="en-US" dirty="0"/>
-              <a:t>NETflix Bootcamp Data Science</a:t>
-            </a:r>
+            <a:endParaRPr lang="en-US" dirty="0"/>
+          </a:p>
+        </p:txBody>
+      </p:sp>
+      <p:sp>
+        <p:nvSpPr>
+          <p:cNvPr id="5" name="Slide Number Placeholder 4">
+            <a:extLst>
+              <a:ext uri="{FF2B5EF4-FFF2-40B4-BE49-F238E27FC236}">
+                <a16:creationId xmlns:a16="http://schemas.microsoft.com/office/drawing/2014/main" id="{D06AAC9A-21B9-4A3D-8527-1EB9FA5E04E9}"/>
+              </a:ext>
+            </a:extLst>
+          </p:cNvPr>
+          <p:cNvSpPr>
+            <a:spLocks noGrp="1"/>
+          </p:cNvSpPr>
+          <p:nvPr>
+            <p:ph type="sldNum" sz="quarter" idx="12"/>
+          </p:nvPr>
+        </p:nvSpPr>
+        <p:spPr/>
+        <p:txBody>
+          <a:bodyPr/>
+          <a:lstStyle/>
+          <a:p>
+            <a:fld id="{3A98EE3D-8CD1-4C3F-BD1C-C98C9596463C}" type="slidenum">
+              <a:rPr lang="en-US" smtClean="0"/>
+              <a:t>1</a:t>
+            </a:fld>
+            <a:endParaRPr lang="en-US" dirty="0"/>
           </a:p>
         </p:txBody>
       </p:sp>
@@ -4539,6 +4746,538 @@
 </file>
 
 <file path=ppt/slides/slide10.xml><?xml version="1.0" encoding="utf-8"?>
+<p:sld xmlns:a="http://schemas.openxmlformats.org/drawingml/2006/main" xmlns:r="http://schemas.openxmlformats.org/officeDocument/2006/relationships" xmlns:p="http://schemas.openxmlformats.org/presentationml/2006/main">
+  <p:cSld>
+    <p:bg>
+      <p:bgPr>
+        <a:solidFill>
+          <a:schemeClr val="bg1"/>
+        </a:solidFill>
+        <a:effectLst/>
+      </p:bgPr>
+    </p:bg>
+    <p:spTree>
+      <p:nvGrpSpPr>
+        <p:cNvPr id="1" name=""/>
+        <p:cNvGrpSpPr/>
+        <p:nvPr/>
+      </p:nvGrpSpPr>
+      <p:grpSpPr>
+        <a:xfrm>
+          <a:off x="0" y="0"/>
+          <a:ext cx="0" cy="0"/>
+          <a:chOff x="0" y="0"/>
+          <a:chExt cx="0" cy="0"/>
+        </a:xfrm>
+      </p:grpSpPr>
+      <p:sp>
+        <p:nvSpPr>
+          <p:cNvPr id="11" name="Rectangle 10">
+            <a:extLst>
+              <a:ext uri="{FF2B5EF4-FFF2-40B4-BE49-F238E27FC236}">
+                <a16:creationId xmlns:a16="http://schemas.microsoft.com/office/drawing/2014/main" id="{416A0E3C-60E6-4F39-BC55-5F7C224E1F7C}"/>
+              </a:ext>
+              <a:ext uri="{C183D7F6-B498-43B3-948B-1728B52AA6E4}">
+                <adec:decorative xmlns:adec="http://schemas.microsoft.com/office/drawing/2017/decorative" val="1"/>
+              </a:ext>
+            </a:extLst>
+          </p:cNvPr>
+          <p:cNvSpPr>
+            <a:spLocks noGrp="1" noRot="1" noChangeAspect="1" noMove="1" noResize="1" noEditPoints="1" noAdjustHandles="1" noChangeArrowheads="1" noChangeShapeType="1" noTextEdit="1"/>
+          </p:cNvSpPr>
+          <p:nvPr>
+            <p:extLst>
+              <p:ext uri="{386F3935-93C4-4BCD-93E2-E3B085C9AB24}">
+                <p16:designElem xmlns:p16="http://schemas.microsoft.com/office/powerpoint/2015/main" val="1"/>
+              </p:ext>
+            </p:extLst>
+          </p:nvPr>
+        </p:nvSpPr>
+        <p:spPr>
+          <a:xfrm>
+            <a:off x="3175" y="6400800"/>
+            <a:ext cx="12188825" cy="457200"/>
+          </a:xfrm>
+          <a:prstGeom prst="rect">
+            <a:avLst/>
+          </a:prstGeom>
+          <a:solidFill>
+            <a:srgbClr val="262626"/>
+          </a:solidFill>
+          <a:ln>
+            <a:noFill/>
+          </a:ln>
+        </p:spPr>
+        <p:style>
+          <a:lnRef idx="2">
+            <a:schemeClr val="accent1">
+              <a:shade val="50000"/>
+            </a:schemeClr>
+          </a:lnRef>
+          <a:fillRef idx="1">
+            <a:schemeClr val="accent1"/>
+          </a:fillRef>
+          <a:effectRef idx="0">
+            <a:schemeClr val="accent1"/>
+          </a:effectRef>
+          <a:fontRef idx="minor">
+            <a:schemeClr val="lt1"/>
+          </a:fontRef>
+        </p:style>
+      </p:sp>
+      <p:cxnSp>
+        <p:nvCxnSpPr>
+          <p:cNvPr id="13" name="Straight Connector 12">
+            <a:extLst>
+              <a:ext uri="{FF2B5EF4-FFF2-40B4-BE49-F238E27FC236}">
+                <a16:creationId xmlns:a16="http://schemas.microsoft.com/office/drawing/2014/main" id="{C5025DAC-8B93-4160-B017-3A274A5828C0}"/>
+              </a:ext>
+              <a:ext uri="{C183D7F6-B498-43B3-948B-1728B52AA6E4}">
+                <adec:decorative xmlns:adec="http://schemas.microsoft.com/office/drawing/2017/decorative" val="1"/>
+              </a:ext>
+            </a:extLst>
+          </p:cNvPr>
+          <p:cNvCxnSpPr>
+            <a:cxnSpLocks noGrp="1" noRot="1" noChangeAspect="1" noMove="1" noResize="1" noEditPoints="1" noAdjustHandles="1" noChangeArrowheads="1" noChangeShapeType="1"/>
+          </p:cNvCxnSpPr>
+          <p:nvPr>
+            <p:extLst>
+              <p:ext uri="{386F3935-93C4-4BCD-93E2-E3B085C9AB24}">
+                <p16:designElem xmlns:p16="http://schemas.microsoft.com/office/powerpoint/2015/main" val="1"/>
+              </p:ext>
+            </p:extLst>
+          </p:nvPr>
+        </p:nvCxnSpPr>
+        <p:spPr>
+          <a:xfrm>
+            <a:off x="1193532" y="1897380"/>
+            <a:ext cx="9966960" cy="0"/>
+          </a:xfrm>
+          <a:prstGeom prst="line">
+            <a:avLst/>
+          </a:prstGeom>
+          <a:ln w="12700">
+            <a:solidFill>
+              <a:schemeClr val="tx1">
+                <a:lumMod val="75000"/>
+                <a:lumOff val="25000"/>
+              </a:schemeClr>
+            </a:solidFill>
+          </a:ln>
+        </p:spPr>
+        <p:style>
+          <a:lnRef idx="1">
+            <a:schemeClr val="accent1"/>
+          </a:lnRef>
+          <a:fillRef idx="0">
+            <a:schemeClr val="accent1"/>
+          </a:fillRef>
+          <a:effectRef idx="0">
+            <a:schemeClr val="accent1"/>
+          </a:effectRef>
+          <a:fontRef idx="minor">
+            <a:schemeClr val="tx1"/>
+          </a:fontRef>
+        </p:style>
+      </p:cxnSp>
+      <p:sp useBgFill="1">
+        <p:nvSpPr>
+          <p:cNvPr id="15" name="Rectangle 14">
+            <a:extLst>
+              <a:ext uri="{FF2B5EF4-FFF2-40B4-BE49-F238E27FC236}">
+                <a16:creationId xmlns:a16="http://schemas.microsoft.com/office/drawing/2014/main" id="{F64BBAA4-C62B-4146-B49F-FE4CC4655EE0}"/>
+              </a:ext>
+              <a:ext uri="{C183D7F6-B498-43B3-948B-1728B52AA6E4}">
+                <adec:decorative xmlns:adec="http://schemas.microsoft.com/office/drawing/2017/decorative" val="1"/>
+              </a:ext>
+            </a:extLst>
+          </p:cNvPr>
+          <p:cNvSpPr>
+            <a:spLocks noGrp="1" noRot="1" noChangeAspect="1" noMove="1" noResize="1" noEditPoints="1" noAdjustHandles="1" noChangeArrowheads="1" noChangeShapeType="1" noTextEdit="1"/>
+          </p:cNvSpPr>
+          <p:nvPr>
+            <p:extLst>
+              <p:ext uri="{386F3935-93C4-4BCD-93E2-E3B085C9AB24}">
+                <p16:designElem xmlns:p16="http://schemas.microsoft.com/office/powerpoint/2015/main" val="1"/>
+              </p:ext>
+            </p:extLst>
+          </p:nvPr>
+        </p:nvSpPr>
+        <p:spPr>
+          <a:xfrm>
+            <a:off x="0" y="0"/>
+            <a:ext cx="12192001" cy="6858000"/>
+          </a:xfrm>
+          <a:prstGeom prst="rect">
+            <a:avLst/>
+          </a:prstGeom>
+          <a:ln>
+            <a:noFill/>
+          </a:ln>
+        </p:spPr>
+        <p:style>
+          <a:lnRef idx="2">
+            <a:schemeClr val="accent1">
+              <a:shade val="50000"/>
+            </a:schemeClr>
+          </a:lnRef>
+          <a:fillRef idx="1">
+            <a:schemeClr val="accent1"/>
+          </a:fillRef>
+          <a:effectRef idx="0">
+            <a:schemeClr val="accent1"/>
+          </a:effectRef>
+          <a:fontRef idx="minor">
+            <a:schemeClr val="lt1"/>
+          </a:fontRef>
+        </p:style>
+        <p:txBody>
+          <a:bodyPr rtlCol="0" anchor="ctr"/>
+          <a:lstStyle/>
+          <a:p>
+            <a:pPr algn="ctr"/>
+            <a:endParaRPr lang="en-US"/>
+          </a:p>
+        </p:txBody>
+      </p:sp>
+      <p:sp>
+        <p:nvSpPr>
+          <p:cNvPr id="2" name="Title 1">
+            <a:extLst>
+              <a:ext uri="{FF2B5EF4-FFF2-40B4-BE49-F238E27FC236}">
+                <a16:creationId xmlns:a16="http://schemas.microsoft.com/office/drawing/2014/main" id="{804DCBEC-79B0-654D-B406-5A5F0D124109}"/>
+              </a:ext>
+            </a:extLst>
+          </p:cNvPr>
+          <p:cNvSpPr>
+            <a:spLocks noGrp="1"/>
+          </p:cNvSpPr>
+          <p:nvPr>
+            <p:ph type="title"/>
+          </p:nvPr>
+        </p:nvSpPr>
+        <p:spPr>
+          <a:xfrm>
+            <a:off x="878911" y="643468"/>
+            <a:ext cx="3177847" cy="1674180"/>
+          </a:xfrm>
+        </p:spPr>
+        <p:txBody>
+          <a:bodyPr vert="horz" lIns="91440" tIns="45720" rIns="91440" bIns="45720" rtlCol="0" anchor="b">
+            <a:normAutofit fontScale="90000"/>
+          </a:bodyPr>
+          <a:lstStyle/>
+          <a:p>
+            <a:r>
+              <a:rPr lang="en-US" sz="4000" dirty="0">
+                <a:solidFill>
+                  <a:schemeClr val="tx1"/>
+                </a:solidFill>
+              </a:rPr>
+              <a:t>Studios </a:t>
+            </a:r>
+            <a:br>
+              <a:rPr lang="en-US" sz="4000" dirty="0">
+                <a:solidFill>
+                  <a:schemeClr val="tx1"/>
+                </a:solidFill>
+              </a:rPr>
+            </a:br>
+            <a:r>
+              <a:rPr lang="en-US" sz="4000" dirty="0">
+                <a:solidFill>
+                  <a:schemeClr val="tx1"/>
+                </a:solidFill>
+              </a:rPr>
+              <a:t>Budgets &amp; Profits Cont’d</a:t>
+            </a:r>
+          </a:p>
+        </p:txBody>
+      </p:sp>
+      <p:cxnSp>
+        <p:nvCxnSpPr>
+          <p:cNvPr id="17" name="Straight Connector 16">
+            <a:extLst>
+              <a:ext uri="{FF2B5EF4-FFF2-40B4-BE49-F238E27FC236}">
+                <a16:creationId xmlns:a16="http://schemas.microsoft.com/office/drawing/2014/main" id="{EEB57AA8-F021-480C-A9E2-F89913313611}"/>
+              </a:ext>
+              <a:ext uri="{C183D7F6-B498-43B3-948B-1728B52AA6E4}">
+                <adec:decorative xmlns:adec="http://schemas.microsoft.com/office/drawing/2017/decorative" val="1"/>
+              </a:ext>
+            </a:extLst>
+          </p:cNvPr>
+          <p:cNvCxnSpPr>
+            <a:cxnSpLocks noGrp="1" noRot="1" noChangeAspect="1" noMove="1" noResize="1" noEditPoints="1" noAdjustHandles="1" noChangeArrowheads="1" noChangeShapeType="1"/>
+          </p:cNvCxnSpPr>
+          <p:nvPr>
+            <p:extLst>
+              <p:ext uri="{386F3935-93C4-4BCD-93E2-E3B085C9AB24}">
+                <p16:designElem xmlns:p16="http://schemas.microsoft.com/office/powerpoint/2015/main" val="1"/>
+              </p:ext>
+            </p:extLst>
+          </p:nvPr>
+        </p:nvCxnSpPr>
+        <p:spPr>
+          <a:xfrm>
+            <a:off x="962164" y="2478513"/>
+            <a:ext cx="2926080" cy="0"/>
+          </a:xfrm>
+          <a:prstGeom prst="line">
+            <a:avLst/>
+          </a:prstGeom>
+          <a:ln>
+            <a:solidFill>
+              <a:schemeClr val="tx1">
+                <a:lumMod val="75000"/>
+                <a:lumOff val="25000"/>
+              </a:schemeClr>
+            </a:solidFill>
+          </a:ln>
+        </p:spPr>
+        <p:style>
+          <a:lnRef idx="1">
+            <a:schemeClr val="accent1"/>
+          </a:lnRef>
+          <a:fillRef idx="0">
+            <a:schemeClr val="accent1"/>
+          </a:fillRef>
+          <a:effectRef idx="0">
+            <a:schemeClr val="accent1"/>
+          </a:effectRef>
+          <a:fontRef idx="minor">
+            <a:schemeClr val="tx1"/>
+          </a:fontRef>
+        </p:style>
+      </p:cxnSp>
+      <p:sp>
+        <p:nvSpPr>
+          <p:cNvPr id="4" name="Text Placeholder 3">
+            <a:extLst>
+              <a:ext uri="{FF2B5EF4-FFF2-40B4-BE49-F238E27FC236}">
+                <a16:creationId xmlns:a16="http://schemas.microsoft.com/office/drawing/2014/main" id="{D4636684-7798-2647-8508-AD0756FEE1C7}"/>
+              </a:ext>
+            </a:extLst>
+          </p:cNvPr>
+          <p:cNvSpPr>
+            <a:spLocks noGrp="1"/>
+          </p:cNvSpPr>
+          <p:nvPr>
+            <p:ph type="body" sz="half" idx="2"/>
+          </p:nvPr>
+        </p:nvSpPr>
+        <p:spPr>
+          <a:xfrm>
+            <a:off x="858064" y="2639380"/>
+            <a:ext cx="3205049" cy="3229714"/>
+          </a:xfrm>
+        </p:spPr>
+        <p:txBody>
+          <a:bodyPr vert="horz" lIns="0" tIns="45720" rIns="0" bIns="45720" rtlCol="0">
+            <a:normAutofit/>
+          </a:bodyPr>
+          <a:lstStyle/>
+          <a:p>
+            <a:pPr>
+              <a:buClr>
+                <a:srgbClr val="FF9300"/>
+              </a:buClr>
+              <a:buFont typeface="Wingdings" pitchFamily="2" charset="2"/>
+              <a:buChar char="v"/>
+            </a:pPr>
+            <a:r>
+              <a:rPr lang="en-US" sz="2000" dirty="0">
+                <a:solidFill>
+                  <a:schemeClr val="tx1"/>
+                </a:solidFill>
+              </a:rPr>
+              <a:t>Studios with greatest reported losses</a:t>
+            </a:r>
+          </a:p>
+          <a:p>
+            <a:pPr>
+              <a:buClr>
+                <a:srgbClr val="FF9300"/>
+              </a:buClr>
+            </a:pPr>
+            <a:endParaRPr lang="en-US" sz="2000" dirty="0">
+              <a:solidFill>
+                <a:schemeClr val="tx1"/>
+              </a:solidFill>
+            </a:endParaRPr>
+          </a:p>
+          <a:p>
+            <a:pPr>
+              <a:lnSpc>
+                <a:spcPct val="100000"/>
+              </a:lnSpc>
+            </a:pPr>
+            <a:endParaRPr lang="en-US" sz="2000" dirty="0">
+              <a:solidFill>
+                <a:schemeClr val="tx1">
+                  <a:lumMod val="75000"/>
+                  <a:lumOff val="25000"/>
+                </a:schemeClr>
+              </a:solidFill>
+            </a:endParaRPr>
+          </a:p>
+        </p:txBody>
+      </p:sp>
+      <p:pic>
+        <p:nvPicPr>
+          <p:cNvPr id="6" name="Content Placeholder 5" descr="A picture containing chart&#10;&#10;Description automatically generated">
+            <a:extLst>
+              <a:ext uri="{FF2B5EF4-FFF2-40B4-BE49-F238E27FC236}">
+                <a16:creationId xmlns:a16="http://schemas.microsoft.com/office/drawing/2014/main" id="{EA10FAE9-2E49-E646-8B8F-8CE1399A7F56}"/>
+              </a:ext>
+            </a:extLst>
+          </p:cNvPr>
+          <p:cNvPicPr>
+            <a:picLocks noGrp="1" noChangeAspect="1"/>
+          </p:cNvPicPr>
+          <p:nvPr>
+            <p:ph idx="1"/>
+          </p:nvPr>
+        </p:nvPicPr>
+        <p:blipFill>
+          <a:blip r:embed="rId2"/>
+          <a:stretch>
+            <a:fillRect/>
+          </a:stretch>
+        </p:blipFill>
+        <p:spPr>
+          <a:xfrm>
+            <a:off x="4603560" y="140054"/>
+            <a:ext cx="7271283" cy="6235124"/>
+          </a:xfrm>
+          <a:prstGeom prst="rect">
+            <a:avLst/>
+          </a:prstGeom>
+        </p:spPr>
+      </p:pic>
+      <p:sp>
+        <p:nvSpPr>
+          <p:cNvPr id="19" name="Rectangle 18">
+            <a:extLst>
+              <a:ext uri="{FF2B5EF4-FFF2-40B4-BE49-F238E27FC236}">
+                <a16:creationId xmlns:a16="http://schemas.microsoft.com/office/drawing/2014/main" id="{6BF36B24-6632-4516-9692-731462896C1F}"/>
+              </a:ext>
+              <a:ext uri="{C183D7F6-B498-43B3-948B-1728B52AA6E4}">
+                <adec:decorative xmlns:adec="http://schemas.microsoft.com/office/drawing/2017/decorative" val="1"/>
+              </a:ext>
+            </a:extLst>
+          </p:cNvPr>
+          <p:cNvSpPr>
+            <a:spLocks noGrp="1" noRot="1" noChangeAspect="1" noMove="1" noResize="1" noEditPoints="1" noAdjustHandles="1" noChangeArrowheads="1" noChangeShapeType="1" noTextEdit="1"/>
+          </p:cNvSpPr>
+          <p:nvPr>
+            <p:extLst>
+              <p:ext uri="{386F3935-93C4-4BCD-93E2-E3B085C9AB24}">
+                <p16:designElem xmlns:p16="http://schemas.microsoft.com/office/powerpoint/2015/main" val="1"/>
+              </p:ext>
+            </p:extLst>
+          </p:nvPr>
+        </p:nvSpPr>
+        <p:spPr>
+          <a:xfrm>
+            <a:off x="0" y="6400800"/>
+            <a:ext cx="12192000" cy="457200"/>
+          </a:xfrm>
+          <a:prstGeom prst="rect">
+            <a:avLst/>
+          </a:prstGeom>
+          <a:solidFill>
+            <a:srgbClr val="262626"/>
+          </a:solidFill>
+          <a:ln>
+            <a:noFill/>
+          </a:ln>
+        </p:spPr>
+        <p:style>
+          <a:lnRef idx="2">
+            <a:schemeClr val="accent1">
+              <a:shade val="50000"/>
+            </a:schemeClr>
+          </a:lnRef>
+          <a:fillRef idx="1">
+            <a:schemeClr val="accent1"/>
+          </a:fillRef>
+          <a:effectRef idx="0">
+            <a:schemeClr val="accent1"/>
+          </a:effectRef>
+          <a:fontRef idx="minor">
+            <a:schemeClr val="lt1"/>
+          </a:fontRef>
+        </p:style>
+      </p:sp>
+      <p:sp>
+        <p:nvSpPr>
+          <p:cNvPr id="3" name="Footer Placeholder 2">
+            <a:extLst>
+              <a:ext uri="{FF2B5EF4-FFF2-40B4-BE49-F238E27FC236}">
+                <a16:creationId xmlns:a16="http://schemas.microsoft.com/office/drawing/2014/main" id="{561F812C-9EC9-4EF1-9804-6BC33EB091E2}"/>
+              </a:ext>
+            </a:extLst>
+          </p:cNvPr>
+          <p:cNvSpPr>
+            <a:spLocks noGrp="1"/>
+          </p:cNvSpPr>
+          <p:nvPr>
+            <p:ph type="ftr" sz="quarter" idx="11"/>
+          </p:nvPr>
+        </p:nvSpPr>
+        <p:spPr/>
+        <p:txBody>
+          <a:bodyPr/>
+          <a:lstStyle/>
+          <a:p>
+            <a:endParaRPr lang="en-US" dirty="0"/>
+          </a:p>
+        </p:txBody>
+      </p:sp>
+      <p:sp>
+        <p:nvSpPr>
+          <p:cNvPr id="5" name="Slide Number Placeholder 4">
+            <a:extLst>
+              <a:ext uri="{FF2B5EF4-FFF2-40B4-BE49-F238E27FC236}">
+                <a16:creationId xmlns:a16="http://schemas.microsoft.com/office/drawing/2014/main" id="{6289A155-98EF-40D8-9BB9-A4E2AA103E57}"/>
+              </a:ext>
+            </a:extLst>
+          </p:cNvPr>
+          <p:cNvSpPr>
+            <a:spLocks noGrp="1"/>
+          </p:cNvSpPr>
+          <p:nvPr>
+            <p:ph type="sldNum" sz="quarter" idx="12"/>
+          </p:nvPr>
+        </p:nvSpPr>
+        <p:spPr/>
+        <p:txBody>
+          <a:bodyPr/>
+          <a:lstStyle/>
+          <a:p>
+            <a:fld id="{3A98EE3D-8CD1-4C3F-BD1C-C98C9596463C}" type="slidenum">
+              <a:rPr lang="en-US" smtClean="0"/>
+              <a:pPr/>
+              <a:t>10</a:t>
+            </a:fld>
+            <a:endParaRPr lang="en-US" dirty="0"/>
+          </a:p>
+        </p:txBody>
+      </p:sp>
+    </p:spTree>
+    <p:extLst>
+      <p:ext uri="{BB962C8B-B14F-4D97-AF65-F5344CB8AC3E}">
+        <p14:creationId xmlns:p14="http://schemas.microsoft.com/office/powerpoint/2010/main" val="1413605823"/>
+      </p:ext>
+    </p:extLst>
+  </p:cSld>
+  <p:clrMapOvr>
+    <a:masterClrMapping/>
+  </p:clrMapOvr>
+</p:sld>
+</file>
+
+<file path=ppt/slides/slide11.xml><?xml version="1.0" encoding="utf-8"?>
 <p:sld xmlns:a="http://schemas.openxmlformats.org/drawingml/2006/main" xmlns:r="http://schemas.openxmlformats.org/officeDocument/2006/relationships" xmlns:p="http://schemas.openxmlformats.org/presentationml/2006/main">
   <p:cSld>
     <p:spTree>
@@ -4681,6 +5420,61 @@
           </a:extLst>
         </p:spPr>
       </p:pic>
+      <p:sp>
+        <p:nvSpPr>
+          <p:cNvPr id="4" name="Footer Placeholder 3">
+            <a:extLst>
+              <a:ext uri="{FF2B5EF4-FFF2-40B4-BE49-F238E27FC236}">
+                <a16:creationId xmlns:a16="http://schemas.microsoft.com/office/drawing/2014/main" id="{1078A2BA-A4BF-4DAF-8CCA-E48165DAC44E}"/>
+              </a:ext>
+            </a:extLst>
+          </p:cNvPr>
+          <p:cNvSpPr>
+            <a:spLocks noGrp="1"/>
+          </p:cNvSpPr>
+          <p:nvPr>
+            <p:ph type="ftr" sz="quarter" idx="11"/>
+          </p:nvPr>
+        </p:nvSpPr>
+        <p:spPr/>
+        <p:txBody>
+          <a:bodyPr/>
+          <a:lstStyle/>
+          <a:p>
+            <a:endParaRPr lang="en-US" dirty="0"/>
+          </a:p>
+        </p:txBody>
+      </p:sp>
+      <p:sp>
+        <p:nvSpPr>
+          <p:cNvPr id="6" name="Slide Number Placeholder 5">
+            <a:extLst>
+              <a:ext uri="{FF2B5EF4-FFF2-40B4-BE49-F238E27FC236}">
+                <a16:creationId xmlns:a16="http://schemas.microsoft.com/office/drawing/2014/main" id="{EB705D42-E725-4B58-83AA-D3F1694FEF6C}"/>
+              </a:ext>
+            </a:extLst>
+          </p:cNvPr>
+          <p:cNvSpPr>
+            <a:spLocks noGrp="1"/>
+          </p:cNvSpPr>
+          <p:nvPr>
+            <p:ph type="sldNum" sz="quarter" idx="12"/>
+          </p:nvPr>
+        </p:nvSpPr>
+        <p:spPr/>
+        <p:txBody>
+          <a:bodyPr/>
+          <a:lstStyle/>
+          <a:p>
+            <a:fld id="{3A98EE3D-8CD1-4C3F-BD1C-C98C9596463C}" type="slidenum">
+              <a:rPr lang="en-US" smtClean="0"/>
+              <a:pPr/>
+              <a:t>11</a:t>
+            </a:fld>
+            <a:endParaRPr lang="en-US" dirty="0"/>
+          </a:p>
+        </p:txBody>
+      </p:sp>
     </p:spTree>
     <p:extLst>
       <p:ext uri="{BB962C8B-B14F-4D97-AF65-F5344CB8AC3E}">
@@ -4694,7 +5488,7 @@
 </p:sld>
 </file>
 
-<file path=ppt/slides/slide11.xml><?xml version="1.0" encoding="utf-8"?>
+<file path=ppt/slides/slide12.xml><?xml version="1.0" encoding="utf-8"?>
 <p:sld xmlns:a="http://schemas.openxmlformats.org/drawingml/2006/main" xmlns:r="http://schemas.openxmlformats.org/officeDocument/2006/relationships" xmlns:p="http://schemas.openxmlformats.org/presentationml/2006/main">
   <p:cSld>
     <p:bg>
@@ -5381,6 +6175,61 @@
           </a:prstGeom>
         </p:spPr>
       </p:pic>
+      <p:sp>
+        <p:nvSpPr>
+          <p:cNvPr id="3" name="Footer Placeholder 2">
+            <a:extLst>
+              <a:ext uri="{FF2B5EF4-FFF2-40B4-BE49-F238E27FC236}">
+                <a16:creationId xmlns:a16="http://schemas.microsoft.com/office/drawing/2014/main" id="{74D620D1-02EC-42E4-8B8E-1A6873D32E57}"/>
+              </a:ext>
+            </a:extLst>
+          </p:cNvPr>
+          <p:cNvSpPr>
+            <a:spLocks noGrp="1"/>
+          </p:cNvSpPr>
+          <p:nvPr>
+            <p:ph type="ftr" sz="quarter" idx="11"/>
+          </p:nvPr>
+        </p:nvSpPr>
+        <p:spPr/>
+        <p:txBody>
+          <a:bodyPr/>
+          <a:lstStyle/>
+          <a:p>
+            <a:endParaRPr lang="en-US" dirty="0"/>
+          </a:p>
+        </p:txBody>
+      </p:sp>
+      <p:sp>
+        <p:nvSpPr>
+          <p:cNvPr id="5" name="Slide Number Placeholder 4">
+            <a:extLst>
+              <a:ext uri="{FF2B5EF4-FFF2-40B4-BE49-F238E27FC236}">
+                <a16:creationId xmlns:a16="http://schemas.microsoft.com/office/drawing/2014/main" id="{E2C1EB2E-E9B6-453A-9A95-4D50433F0701}"/>
+              </a:ext>
+            </a:extLst>
+          </p:cNvPr>
+          <p:cNvSpPr>
+            <a:spLocks noGrp="1"/>
+          </p:cNvSpPr>
+          <p:nvPr>
+            <p:ph type="sldNum" sz="quarter" idx="12"/>
+          </p:nvPr>
+        </p:nvSpPr>
+        <p:spPr/>
+        <p:txBody>
+          <a:bodyPr/>
+          <a:lstStyle/>
+          <a:p>
+            <a:fld id="{3A98EE3D-8CD1-4C3F-BD1C-C98C9596463C}" type="slidenum">
+              <a:rPr lang="en-US" smtClean="0"/>
+              <a:pPr/>
+              <a:t>12</a:t>
+            </a:fld>
+            <a:endParaRPr lang="en-US" dirty="0"/>
+          </a:p>
+        </p:txBody>
+      </p:sp>
     </p:spTree>
     <p:extLst>
       <p:ext uri="{BB962C8B-B14F-4D97-AF65-F5344CB8AC3E}">
@@ -5394,7 +6243,7 @@
 </p:sld>
 </file>
 
-<file path=ppt/slides/slide12.xml><?xml version="1.0" encoding="utf-8"?>
+<file path=ppt/slides/slide13.xml><?xml version="1.0" encoding="utf-8"?>
 <p:sld xmlns:a="http://schemas.openxmlformats.org/drawingml/2006/main" xmlns:r="http://schemas.openxmlformats.org/officeDocument/2006/relationships" xmlns:p="http://schemas.openxmlformats.org/presentationml/2006/main">
   <p:cSld>
     <p:spTree>
@@ -5413,6 +6262,234 @@
       </p:grpSpPr>
       <p:sp>
         <p:nvSpPr>
+          <p:cNvPr id="2" name="Footer Placeholder 1">
+            <a:extLst>
+              <a:ext uri="{FF2B5EF4-FFF2-40B4-BE49-F238E27FC236}">
+                <a16:creationId xmlns:a16="http://schemas.microsoft.com/office/drawing/2014/main" id="{702B331D-377E-4721-8791-7E443DE95B39}"/>
+              </a:ext>
+            </a:extLst>
+          </p:cNvPr>
+          <p:cNvSpPr>
+            <a:spLocks noGrp="1"/>
+          </p:cNvSpPr>
+          <p:nvPr>
+            <p:ph type="ftr" sz="quarter" idx="11"/>
+          </p:nvPr>
+        </p:nvSpPr>
+        <p:spPr/>
+        <p:txBody>
+          <a:bodyPr/>
+          <a:lstStyle/>
+          <a:p>
+            <a:endParaRPr lang="en-US" dirty="0"/>
+          </a:p>
+        </p:txBody>
+      </p:sp>
+      <p:sp>
+        <p:nvSpPr>
+          <p:cNvPr id="4" name="Slide Number Placeholder 3">
+            <a:extLst>
+              <a:ext uri="{FF2B5EF4-FFF2-40B4-BE49-F238E27FC236}">
+                <a16:creationId xmlns:a16="http://schemas.microsoft.com/office/drawing/2014/main" id="{40B211A0-D075-4DBA-AB87-AEA1243D021F}"/>
+              </a:ext>
+            </a:extLst>
+          </p:cNvPr>
+          <p:cNvSpPr>
+            <a:spLocks noGrp="1"/>
+          </p:cNvSpPr>
+          <p:nvPr>
+            <p:ph type="sldNum" sz="quarter" idx="12"/>
+          </p:nvPr>
+        </p:nvSpPr>
+        <p:spPr/>
+        <p:txBody>
+          <a:bodyPr/>
+          <a:lstStyle/>
+          <a:p>
+            <a:fld id="{3A98EE3D-8CD1-4C3F-BD1C-C98C9596463C}" type="slidenum">
+              <a:rPr lang="en-US" smtClean="0"/>
+              <a:t>13</a:t>
+            </a:fld>
+            <a:endParaRPr lang="en-US" dirty="0"/>
+          </a:p>
+        </p:txBody>
+      </p:sp>
+      <p:pic>
+        <p:nvPicPr>
+          <p:cNvPr id="6" name="Picture 5">
+            <a:extLst>
+              <a:ext uri="{FF2B5EF4-FFF2-40B4-BE49-F238E27FC236}">
+                <a16:creationId xmlns:a16="http://schemas.microsoft.com/office/drawing/2014/main" id="{41FF08C2-63F9-4255-B413-0114CD4FF046}"/>
+              </a:ext>
+            </a:extLst>
+          </p:cNvPr>
+          <p:cNvPicPr>
+            <a:picLocks noChangeAspect="1"/>
+          </p:cNvPicPr>
+          <p:nvPr/>
+        </p:nvPicPr>
+        <p:blipFill>
+          <a:blip r:embed="rId2"/>
+          <a:stretch>
+            <a:fillRect/>
+          </a:stretch>
+        </p:blipFill>
+        <p:spPr>
+          <a:xfrm>
+            <a:off x="1585110" y="46037"/>
+            <a:ext cx="9021779" cy="6240175"/>
+          </a:xfrm>
+          <a:prstGeom prst="rect">
+            <a:avLst/>
+          </a:prstGeom>
+        </p:spPr>
+      </p:pic>
+    </p:spTree>
+    <p:extLst>
+      <p:ext uri="{BB962C8B-B14F-4D97-AF65-F5344CB8AC3E}">
+        <p14:creationId xmlns:p14="http://schemas.microsoft.com/office/powerpoint/2010/main" val="50749969"/>
+      </p:ext>
+    </p:extLst>
+  </p:cSld>
+  <p:clrMapOvr>
+    <a:masterClrMapping/>
+  </p:clrMapOvr>
+</p:sld>
+</file>
+
+<file path=ppt/slides/slide14.xml><?xml version="1.0" encoding="utf-8"?>
+<p:sld xmlns:a="http://schemas.openxmlformats.org/drawingml/2006/main" xmlns:r="http://schemas.openxmlformats.org/officeDocument/2006/relationships" xmlns:p="http://schemas.openxmlformats.org/presentationml/2006/main">
+  <p:cSld>
+    <p:spTree>
+      <p:nvGrpSpPr>
+        <p:cNvPr id="1" name=""/>
+        <p:cNvGrpSpPr/>
+        <p:nvPr/>
+      </p:nvGrpSpPr>
+      <p:grpSpPr>
+        <a:xfrm>
+          <a:off x="0" y="0"/>
+          <a:ext cx="0" cy="0"/>
+          <a:chOff x="0" y="0"/>
+          <a:chExt cx="0" cy="0"/>
+        </a:xfrm>
+      </p:grpSpPr>
+      <p:sp>
+        <p:nvSpPr>
+          <p:cNvPr id="2" name="Footer Placeholder 1">
+            <a:extLst>
+              <a:ext uri="{FF2B5EF4-FFF2-40B4-BE49-F238E27FC236}">
+                <a16:creationId xmlns:a16="http://schemas.microsoft.com/office/drawing/2014/main" id="{702B331D-377E-4721-8791-7E443DE95B39}"/>
+              </a:ext>
+            </a:extLst>
+          </p:cNvPr>
+          <p:cNvSpPr>
+            <a:spLocks noGrp="1"/>
+          </p:cNvSpPr>
+          <p:nvPr>
+            <p:ph type="ftr" sz="quarter" idx="11"/>
+          </p:nvPr>
+        </p:nvSpPr>
+        <p:spPr/>
+        <p:txBody>
+          <a:bodyPr/>
+          <a:lstStyle/>
+          <a:p>
+            <a:endParaRPr lang="en-US" dirty="0"/>
+          </a:p>
+        </p:txBody>
+      </p:sp>
+      <p:sp>
+        <p:nvSpPr>
+          <p:cNvPr id="4" name="Slide Number Placeholder 3">
+            <a:extLst>
+              <a:ext uri="{FF2B5EF4-FFF2-40B4-BE49-F238E27FC236}">
+                <a16:creationId xmlns:a16="http://schemas.microsoft.com/office/drawing/2014/main" id="{40B211A0-D075-4DBA-AB87-AEA1243D021F}"/>
+              </a:ext>
+            </a:extLst>
+          </p:cNvPr>
+          <p:cNvSpPr>
+            <a:spLocks noGrp="1"/>
+          </p:cNvSpPr>
+          <p:nvPr>
+            <p:ph type="sldNum" sz="quarter" idx="12"/>
+          </p:nvPr>
+        </p:nvSpPr>
+        <p:spPr/>
+        <p:txBody>
+          <a:bodyPr/>
+          <a:lstStyle/>
+          <a:p>
+            <a:fld id="{3A98EE3D-8CD1-4C3F-BD1C-C98C9596463C}" type="slidenum">
+              <a:rPr lang="en-US" smtClean="0"/>
+              <a:t>14</a:t>
+            </a:fld>
+            <a:endParaRPr lang="en-US" dirty="0"/>
+          </a:p>
+        </p:txBody>
+      </p:sp>
+      <p:pic>
+        <p:nvPicPr>
+          <p:cNvPr id="5" name="Picture 4">
+            <a:extLst>
+              <a:ext uri="{FF2B5EF4-FFF2-40B4-BE49-F238E27FC236}">
+                <a16:creationId xmlns:a16="http://schemas.microsoft.com/office/drawing/2014/main" id="{73E61ACC-9E2D-4CBC-8624-2897181EEAFD}"/>
+              </a:ext>
+            </a:extLst>
+          </p:cNvPr>
+          <p:cNvPicPr>
+            <a:picLocks noChangeAspect="1"/>
+          </p:cNvPicPr>
+          <p:nvPr/>
+        </p:nvPicPr>
+        <p:blipFill>
+          <a:blip r:embed="rId2"/>
+          <a:stretch>
+            <a:fillRect/>
+          </a:stretch>
+        </p:blipFill>
+        <p:spPr>
+          <a:xfrm>
+            <a:off x="1194956" y="0"/>
+            <a:ext cx="10203872" cy="6369627"/>
+          </a:xfrm>
+          <a:prstGeom prst="rect">
+            <a:avLst/>
+          </a:prstGeom>
+        </p:spPr>
+      </p:pic>
+    </p:spTree>
+    <p:extLst>
+      <p:ext uri="{BB962C8B-B14F-4D97-AF65-F5344CB8AC3E}">
+        <p14:creationId xmlns:p14="http://schemas.microsoft.com/office/powerpoint/2010/main" val="2006381897"/>
+      </p:ext>
+    </p:extLst>
+  </p:cSld>
+  <p:clrMapOvr>
+    <a:masterClrMapping/>
+  </p:clrMapOvr>
+</p:sld>
+</file>
+
+<file path=ppt/slides/slide15.xml><?xml version="1.0" encoding="utf-8"?>
+<p:sld xmlns:a="http://schemas.openxmlformats.org/drawingml/2006/main" xmlns:r="http://schemas.openxmlformats.org/officeDocument/2006/relationships" xmlns:p="http://schemas.openxmlformats.org/presentationml/2006/main">
+  <p:cSld>
+    <p:spTree>
+      <p:nvGrpSpPr>
+        <p:cNvPr id="1" name=""/>
+        <p:cNvGrpSpPr/>
+        <p:nvPr/>
+      </p:nvGrpSpPr>
+      <p:grpSpPr>
+        <a:xfrm>
+          <a:off x="0" y="0"/>
+          <a:ext cx="0" cy="0"/>
+          <a:chOff x="0" y="0"/>
+          <a:chExt cx="0" cy="0"/>
+        </a:xfrm>
+      </p:grpSpPr>
+      <p:sp>
+        <p:nvSpPr>
           <p:cNvPr id="2" name="Title 1">
             <a:extLst>
               <a:ext uri="{FF2B5EF4-FFF2-40B4-BE49-F238E27FC236}">
@@ -5475,6 +6552,21 @@
             <a:r>
               <a:rPr lang="en-US" sz="2400" dirty="0"/>
               <a:t>Years with highly rated movies based on customized metascore.</a:t>
+            </a:r>
+          </a:p>
+          <a:p>
+            <a:pPr lvl="0"/>
+            <a:r>
+              <a:rPr lang="en-US" sz="1800" dirty="0"/>
+              <a:t>Metascore = </a:t>
+            </a:r>
+            <a:r>
+              <a:rPr lang="en-US" sz="1800"/>
+              <a:t>the mean of  </a:t>
+            </a:r>
+            <a:r>
+              <a:rPr lang="en-US" sz="1800" dirty="0"/>
+              <a:t>normalized (Votes, user reviews and critics review)</a:t>
             </a:r>
           </a:p>
           <a:p>
@@ -5537,6 +6629,61 @@
           </a:extLst>
         </p:spPr>
       </p:pic>
+      <p:sp>
+        <p:nvSpPr>
+          <p:cNvPr id="4" name="Footer Placeholder 3">
+            <a:extLst>
+              <a:ext uri="{FF2B5EF4-FFF2-40B4-BE49-F238E27FC236}">
+                <a16:creationId xmlns:a16="http://schemas.microsoft.com/office/drawing/2014/main" id="{E01B8135-8E11-411F-9C37-15593140967B}"/>
+              </a:ext>
+            </a:extLst>
+          </p:cNvPr>
+          <p:cNvSpPr>
+            <a:spLocks noGrp="1"/>
+          </p:cNvSpPr>
+          <p:nvPr>
+            <p:ph type="ftr" sz="quarter" idx="11"/>
+          </p:nvPr>
+        </p:nvSpPr>
+        <p:spPr/>
+        <p:txBody>
+          <a:bodyPr/>
+          <a:lstStyle/>
+          <a:p>
+            <a:endParaRPr lang="en-US" dirty="0"/>
+          </a:p>
+        </p:txBody>
+      </p:sp>
+      <p:sp>
+        <p:nvSpPr>
+          <p:cNvPr id="6" name="Slide Number Placeholder 5">
+            <a:extLst>
+              <a:ext uri="{FF2B5EF4-FFF2-40B4-BE49-F238E27FC236}">
+                <a16:creationId xmlns:a16="http://schemas.microsoft.com/office/drawing/2014/main" id="{A76C31E3-2668-4350-ABFA-9D51F893E08B}"/>
+              </a:ext>
+            </a:extLst>
+          </p:cNvPr>
+          <p:cNvSpPr>
+            <a:spLocks noGrp="1"/>
+          </p:cNvSpPr>
+          <p:nvPr>
+            <p:ph type="sldNum" sz="quarter" idx="12"/>
+          </p:nvPr>
+        </p:nvSpPr>
+        <p:spPr/>
+        <p:txBody>
+          <a:bodyPr/>
+          <a:lstStyle/>
+          <a:p>
+            <a:fld id="{3A98EE3D-8CD1-4C3F-BD1C-C98C9596463C}" type="slidenum">
+              <a:rPr lang="en-US" smtClean="0"/>
+              <a:pPr/>
+              <a:t>15</a:t>
+            </a:fld>
+            <a:endParaRPr lang="en-US" dirty="0"/>
+          </a:p>
+        </p:txBody>
+      </p:sp>
     </p:spTree>
     <p:extLst>
       <p:ext uri="{BB962C8B-B14F-4D97-AF65-F5344CB8AC3E}">
@@ -5550,7 +6697,7 @@
 </p:sld>
 </file>
 
-<file path=ppt/slides/slide13.xml><?xml version="1.0" encoding="utf-8"?>
+<file path=ppt/slides/slide16.xml><?xml version="1.0" encoding="utf-8"?>
 <p:sld xmlns:a="http://schemas.openxmlformats.org/drawingml/2006/main" xmlns:r="http://schemas.openxmlformats.org/officeDocument/2006/relationships" xmlns:p="http://schemas.openxmlformats.org/presentationml/2006/main">
   <p:cSld>
     <p:spTree>
@@ -5597,6 +6744,60 @@
           </a:prstGeom>
         </p:spPr>
       </p:pic>
+      <p:sp>
+        <p:nvSpPr>
+          <p:cNvPr id="2" name="Footer Placeholder 1">
+            <a:extLst>
+              <a:ext uri="{FF2B5EF4-FFF2-40B4-BE49-F238E27FC236}">
+                <a16:creationId xmlns:a16="http://schemas.microsoft.com/office/drawing/2014/main" id="{702B331D-377E-4721-8791-7E443DE95B39}"/>
+              </a:ext>
+            </a:extLst>
+          </p:cNvPr>
+          <p:cNvSpPr>
+            <a:spLocks noGrp="1"/>
+          </p:cNvSpPr>
+          <p:nvPr>
+            <p:ph type="ftr" sz="quarter" idx="11"/>
+          </p:nvPr>
+        </p:nvSpPr>
+        <p:spPr/>
+        <p:txBody>
+          <a:bodyPr/>
+          <a:lstStyle/>
+          <a:p>
+            <a:endParaRPr lang="en-US" dirty="0"/>
+          </a:p>
+        </p:txBody>
+      </p:sp>
+      <p:sp>
+        <p:nvSpPr>
+          <p:cNvPr id="4" name="Slide Number Placeholder 3">
+            <a:extLst>
+              <a:ext uri="{FF2B5EF4-FFF2-40B4-BE49-F238E27FC236}">
+                <a16:creationId xmlns:a16="http://schemas.microsoft.com/office/drawing/2014/main" id="{40B211A0-D075-4DBA-AB87-AEA1243D021F}"/>
+              </a:ext>
+            </a:extLst>
+          </p:cNvPr>
+          <p:cNvSpPr>
+            <a:spLocks noGrp="1"/>
+          </p:cNvSpPr>
+          <p:nvPr>
+            <p:ph type="sldNum" sz="quarter" idx="12"/>
+          </p:nvPr>
+        </p:nvSpPr>
+        <p:spPr/>
+        <p:txBody>
+          <a:bodyPr/>
+          <a:lstStyle/>
+          <a:p>
+            <a:fld id="{3A98EE3D-8CD1-4C3F-BD1C-C98C9596463C}" type="slidenum">
+              <a:rPr lang="en-US" smtClean="0"/>
+              <a:t>16</a:t>
+            </a:fld>
+            <a:endParaRPr lang="en-US" dirty="0"/>
+          </a:p>
+        </p:txBody>
+      </p:sp>
     </p:spTree>
     <p:extLst>
       <p:ext uri="{BB962C8B-B14F-4D97-AF65-F5344CB8AC3E}">
@@ -5610,7 +6811,7 @@
 </p:sld>
 </file>
 
-<file path=ppt/slides/slide14.xml><?xml version="1.0" encoding="utf-8"?>
+<file path=ppt/slides/slide17.xml><?xml version="1.0" encoding="utf-8"?>
 <p:sld xmlns:a="http://schemas.openxmlformats.org/drawingml/2006/main" xmlns:r="http://schemas.openxmlformats.org/officeDocument/2006/relationships" xmlns:p="http://schemas.openxmlformats.org/presentationml/2006/main">
   <p:cSld>
     <p:spTree>
@@ -5772,6 +6973,61 @@
           </a:extLst>
         </p:spPr>
       </p:pic>
+      <p:sp>
+        <p:nvSpPr>
+          <p:cNvPr id="4" name="Footer Placeholder 3">
+            <a:extLst>
+              <a:ext uri="{FF2B5EF4-FFF2-40B4-BE49-F238E27FC236}">
+                <a16:creationId xmlns:a16="http://schemas.microsoft.com/office/drawing/2014/main" id="{DC487ABF-652D-4659-AA2C-54C11DF64431}"/>
+              </a:ext>
+            </a:extLst>
+          </p:cNvPr>
+          <p:cNvSpPr>
+            <a:spLocks noGrp="1"/>
+          </p:cNvSpPr>
+          <p:nvPr>
+            <p:ph type="ftr" sz="quarter" idx="11"/>
+          </p:nvPr>
+        </p:nvSpPr>
+        <p:spPr/>
+        <p:txBody>
+          <a:bodyPr/>
+          <a:lstStyle/>
+          <a:p>
+            <a:endParaRPr lang="en-US" dirty="0"/>
+          </a:p>
+        </p:txBody>
+      </p:sp>
+      <p:sp>
+        <p:nvSpPr>
+          <p:cNvPr id="6" name="Slide Number Placeholder 5">
+            <a:extLst>
+              <a:ext uri="{FF2B5EF4-FFF2-40B4-BE49-F238E27FC236}">
+                <a16:creationId xmlns:a16="http://schemas.microsoft.com/office/drawing/2014/main" id="{21E3644A-E8AF-4E0B-9917-B4944B0CFC25}"/>
+              </a:ext>
+            </a:extLst>
+          </p:cNvPr>
+          <p:cNvSpPr>
+            <a:spLocks noGrp="1"/>
+          </p:cNvSpPr>
+          <p:nvPr>
+            <p:ph type="sldNum" sz="quarter" idx="12"/>
+          </p:nvPr>
+        </p:nvSpPr>
+        <p:spPr/>
+        <p:txBody>
+          <a:bodyPr/>
+          <a:lstStyle/>
+          <a:p>
+            <a:fld id="{3A98EE3D-8CD1-4C3F-BD1C-C98C9596463C}" type="slidenum">
+              <a:rPr lang="en-US" smtClean="0"/>
+              <a:pPr/>
+              <a:t>17</a:t>
+            </a:fld>
+            <a:endParaRPr lang="en-US" dirty="0"/>
+          </a:p>
+        </p:txBody>
+      </p:sp>
     </p:spTree>
     <p:extLst>
       <p:ext uri="{BB962C8B-B14F-4D97-AF65-F5344CB8AC3E}">
@@ -5785,7 +7041,7 @@
 </p:sld>
 </file>
 
-<file path=ppt/slides/slide15.xml><?xml version="1.0" encoding="utf-8"?>
+<file path=ppt/slides/slide18.xml><?xml version="1.0" encoding="utf-8"?>
 <p:sld xmlns:a="http://schemas.openxmlformats.org/drawingml/2006/main" xmlns:r="http://schemas.openxmlformats.org/officeDocument/2006/relationships" xmlns:p="http://schemas.openxmlformats.org/presentationml/2006/main">
   <p:cSld>
     <p:spTree>
@@ -5945,6 +7201,61 @@
           </a:extLst>
         </p:spPr>
       </p:pic>
+      <p:sp>
+        <p:nvSpPr>
+          <p:cNvPr id="4" name="Footer Placeholder 3">
+            <a:extLst>
+              <a:ext uri="{FF2B5EF4-FFF2-40B4-BE49-F238E27FC236}">
+                <a16:creationId xmlns:a16="http://schemas.microsoft.com/office/drawing/2014/main" id="{B1F425B6-426F-4DBF-824E-3A8DC90D6044}"/>
+              </a:ext>
+            </a:extLst>
+          </p:cNvPr>
+          <p:cNvSpPr>
+            <a:spLocks noGrp="1"/>
+          </p:cNvSpPr>
+          <p:nvPr>
+            <p:ph type="ftr" sz="quarter" idx="11"/>
+          </p:nvPr>
+        </p:nvSpPr>
+        <p:spPr/>
+        <p:txBody>
+          <a:bodyPr/>
+          <a:lstStyle/>
+          <a:p>
+            <a:endParaRPr lang="en-US" dirty="0"/>
+          </a:p>
+        </p:txBody>
+      </p:sp>
+      <p:sp>
+        <p:nvSpPr>
+          <p:cNvPr id="6" name="Slide Number Placeholder 5">
+            <a:extLst>
+              <a:ext uri="{FF2B5EF4-FFF2-40B4-BE49-F238E27FC236}">
+                <a16:creationId xmlns:a16="http://schemas.microsoft.com/office/drawing/2014/main" id="{8F8A1747-40BC-4A3D-B2D3-0DFD04706F1E}"/>
+              </a:ext>
+            </a:extLst>
+          </p:cNvPr>
+          <p:cNvSpPr>
+            <a:spLocks noGrp="1"/>
+          </p:cNvSpPr>
+          <p:nvPr>
+            <p:ph type="sldNum" sz="quarter" idx="12"/>
+          </p:nvPr>
+        </p:nvSpPr>
+        <p:spPr/>
+        <p:txBody>
+          <a:bodyPr/>
+          <a:lstStyle/>
+          <a:p>
+            <a:fld id="{3A98EE3D-8CD1-4C3F-BD1C-C98C9596463C}" type="slidenum">
+              <a:rPr lang="en-US" smtClean="0"/>
+              <a:pPr/>
+              <a:t>18</a:t>
+            </a:fld>
+            <a:endParaRPr lang="en-US" dirty="0"/>
+          </a:p>
+        </p:txBody>
+      </p:sp>
     </p:spTree>
     <p:extLst>
       <p:ext uri="{BB962C8B-B14F-4D97-AF65-F5344CB8AC3E}">
@@ -5998,7 +7309,7 @@
           <a:p>
             <a:r>
               <a:rPr lang="en-US" sz="4000" dirty="0"/>
-              <a:t>Aim</a:t>
+              <a:t>Overview</a:t>
             </a:r>
             <a:r>
               <a:rPr lang="en-US" dirty="0"/>
@@ -6040,10 +7351,60 @@
               <a:spcBef>
                 <a:spcPts val="0"/>
               </a:spcBef>
+              <a:buFont typeface="Wingdings" panose="05000000000000000000" pitchFamily="2" charset="2"/>
+              <a:buChar char="v"/>
             </a:pPr>
             <a:r>
               <a:rPr lang="en-US" sz="2400" dirty="0"/>
-              <a:t>We intend to use an IMDB dataset to produce useful information for business and entertainment purposes by asking strategic questions.</a:t>
+              <a:t>Objectives</a:t>
+            </a:r>
+          </a:p>
+          <a:p>
+            <a:pPr algn="just">
+              <a:lnSpc>
+                <a:spcPct val="150000"/>
+              </a:lnSpc>
+              <a:spcBef>
+                <a:spcPts val="0"/>
+              </a:spcBef>
+              <a:buFont typeface="Wingdings" panose="05000000000000000000" pitchFamily="2" charset="2"/>
+              <a:buChar char="v"/>
+            </a:pPr>
+            <a:r>
+              <a:rPr lang="en-US" sz="2400" dirty="0"/>
+              <a:t>Data Cleaning Methods</a:t>
+            </a:r>
+          </a:p>
+          <a:p>
+            <a:pPr algn="just">
+              <a:lnSpc>
+                <a:spcPct val="150000"/>
+              </a:lnSpc>
+              <a:spcBef>
+                <a:spcPts val="0"/>
+              </a:spcBef>
+              <a:buFont typeface="Wingdings" panose="05000000000000000000" pitchFamily="2" charset="2"/>
+              <a:buChar char="v"/>
+            </a:pPr>
+            <a:r>
+              <a:rPr lang="en-US" sz="2400" dirty="0"/>
+              <a:t>Questions</a:t>
+            </a:r>
+          </a:p>
+          <a:p>
+            <a:pPr algn="just">
+              <a:lnSpc>
+                <a:spcPct val="150000"/>
+              </a:lnSpc>
+              <a:spcBef>
+                <a:spcPts val="0"/>
+              </a:spcBef>
+              <a:buFont typeface="Wingdings" panose="05000000000000000000" pitchFamily="2" charset="2"/>
+              <a:buChar char="v"/>
+            </a:pPr>
+            <a:r>
+              <a:rPr lang="en-US" sz="2400" dirty="0"/>
+              <a:t>Conclusions</a:t>
             </a:r>
           </a:p>
           <a:p>
@@ -6128,6 +7489,85 @@
           </a:extLst>
         </p:spPr>
       </p:pic>
+      <p:sp>
+        <p:nvSpPr>
+          <p:cNvPr id="3" name="Slide Number Placeholder 2">
+            <a:extLst>
+              <a:ext uri="{FF2B5EF4-FFF2-40B4-BE49-F238E27FC236}">
+                <a16:creationId xmlns:a16="http://schemas.microsoft.com/office/drawing/2014/main" id="{89479FFA-AFF4-4CE3-B75F-634A3E9BF75D}"/>
+              </a:ext>
+            </a:extLst>
+          </p:cNvPr>
+          <p:cNvSpPr>
+            <a:spLocks noGrp="1"/>
+          </p:cNvSpPr>
+          <p:nvPr>
+            <p:ph type="sldNum" sz="quarter" idx="12"/>
+          </p:nvPr>
+        </p:nvSpPr>
+        <p:spPr/>
+        <p:txBody>
+          <a:bodyPr/>
+          <a:lstStyle/>
+          <a:p>
+            <a:fld id="{3A98EE3D-8CD1-4C3F-BD1C-C98C9596463C}" type="slidenum">
+              <a:rPr lang="en-US" smtClean="0"/>
+              <a:pPr/>
+              <a:t>2</a:t>
+            </a:fld>
+            <a:endParaRPr lang="en-US" dirty="0"/>
+          </a:p>
+        </p:txBody>
+      </p:sp>
+      <p:sp>
+        <p:nvSpPr>
+          <p:cNvPr id="2" name="TextBox 1">
+            <a:extLst>
+              <a:ext uri="{FF2B5EF4-FFF2-40B4-BE49-F238E27FC236}">
+                <a16:creationId xmlns:a16="http://schemas.microsoft.com/office/drawing/2014/main" id="{8D45A6CF-ACDD-4A43-A65F-22EC6FEA9494}"/>
+              </a:ext>
+            </a:extLst>
+          </p:cNvPr>
+          <p:cNvSpPr txBox="1"/>
+          <p:nvPr/>
+        </p:nvSpPr>
+        <p:spPr>
+          <a:xfrm>
+            <a:off x="209726" y="6242180"/>
+            <a:ext cx="4157001" cy="369332"/>
+          </a:xfrm>
+          <a:prstGeom prst="rect">
+            <a:avLst/>
+          </a:prstGeom>
+          <a:noFill/>
+        </p:spPr>
+        <p:txBody>
+          <a:bodyPr wrap="square" rtlCol="0">
+            <a:spAutoFit/>
+          </a:bodyPr>
+          <a:lstStyle/>
+          <a:p>
+            <a:r>
+              <a:rPr lang="en-US" sz="900" dirty="0">
+                <a:solidFill>
+                  <a:schemeClr val="bg1"/>
+                </a:solidFill>
+              </a:rPr>
+              <a:t>Photo credit to :</a:t>
+            </a:r>
+          </a:p>
+          <a:p>
+            <a:r>
+              <a:rPr lang="en-US" sz="900" dirty="0">
+                <a:solidFill>
+                  <a:schemeClr val="bg1"/>
+                </a:solidFill>
+              </a:rPr>
+              <a:t>https://panandslam.com/2017/04/07/5-times-hollywood-got-it-right/</a:t>
+            </a:r>
+          </a:p>
+        </p:txBody>
+      </p:sp>
     </p:spTree>
     <p:extLst>
       <p:ext uri="{BB962C8B-B14F-4D97-AF65-F5344CB8AC3E}">
@@ -6160,10 +7600,10 @@
       </p:grpSpPr>
       <p:sp>
         <p:nvSpPr>
-          <p:cNvPr id="2" name="Title 1">
-            <a:extLst>
-              <a:ext uri="{FF2B5EF4-FFF2-40B4-BE49-F238E27FC236}">
-                <a16:creationId xmlns:a16="http://schemas.microsoft.com/office/drawing/2014/main" id="{58CA372C-4978-D54C-9B89-51CCEAD39F6D}"/>
+          <p:cNvPr id="4" name="Title 3">
+            <a:extLst>
+              <a:ext uri="{FF2B5EF4-FFF2-40B4-BE49-F238E27FC236}">
+                <a16:creationId xmlns:a16="http://schemas.microsoft.com/office/drawing/2014/main" id="{6F9FC236-0AB4-0C40-8D42-4405905500E3}"/>
               </a:ext>
             </a:extLst>
           </p:cNvPr>
@@ -6181,21 +7621,21 @@
           <a:p>
             <a:r>
               <a:rPr lang="en-US" sz="4000" dirty="0"/>
-              <a:t>Question</a:t>
+              <a:t>Aim</a:t>
             </a:r>
             <a:r>
               <a:rPr lang="en-US" dirty="0"/>
-              <a:t> s:</a:t>
-            </a:r>
-          </a:p>
-        </p:txBody>
-      </p:sp>
-      <p:sp>
-        <p:nvSpPr>
-          <p:cNvPr id="3" name="Content Placeholder 2">
-            <a:extLst>
-              <a:ext uri="{FF2B5EF4-FFF2-40B4-BE49-F238E27FC236}">
-                <a16:creationId xmlns:a16="http://schemas.microsoft.com/office/drawing/2014/main" id="{7BBB0686-DE77-4D4C-B02A-30B968FE8C41}"/>
+              <a:t>:</a:t>
+            </a:r>
+          </a:p>
+        </p:txBody>
+      </p:sp>
+      <p:sp>
+        <p:nvSpPr>
+          <p:cNvPr id="5" name="Content Placeholder 4">
+            <a:extLst>
+              <a:ext uri="{FF2B5EF4-FFF2-40B4-BE49-F238E27FC236}">
+                <a16:creationId xmlns:a16="http://schemas.microsoft.com/office/drawing/2014/main" id="{0AE24AF7-670C-6046-8BFE-7D84A88BFCD0}"/>
               </a:ext>
             </a:extLst>
           </p:cNvPr>
@@ -6208,85 +7648,68 @@
         </p:nvSpPr>
         <p:spPr>
           <a:xfrm>
-            <a:off x="5240869" y="840653"/>
-            <a:ext cx="6856055" cy="5308477"/>
+            <a:off x="5458984" y="2199503"/>
+            <a:ext cx="5928344" cy="3908053"/>
           </a:xfrm>
         </p:spPr>
         <p:txBody>
-          <a:bodyPr>
-            <a:normAutofit/>
-          </a:bodyPr>
+          <a:bodyPr/>
           <a:lstStyle/>
           <a:p>
             <a:pPr algn="just">
               <a:lnSpc>
                 <a:spcPct val="150000"/>
               </a:lnSpc>
-              <a:buFont typeface="Wingdings" panose="05000000000000000000" pitchFamily="2" charset="2"/>
-              <a:buChar char="v"/>
+              <a:spcBef>
+                <a:spcPts val="0"/>
+              </a:spcBef>
             </a:pPr>
             <a:r>
               <a:rPr lang="en-US" sz="2400" dirty="0"/>
-              <a:t>Which studios have the best rate of return on their production budget for division acquisition ?</a:t>
-            </a:r>
-          </a:p>
-          <a:p>
-            <a:pPr algn="just">
-              <a:lnSpc>
-                <a:spcPct val="150000"/>
-              </a:lnSpc>
-              <a:buFont typeface="Wingdings" panose="05000000000000000000" pitchFamily="2" charset="2"/>
-              <a:buChar char="v"/>
-            </a:pPr>
-            <a:r>
-              <a:rPr lang="en-US" sz="2400" dirty="0"/>
-              <a:t>Develop a screening criteria to help users select a movie to watch based on the filters they apply.</a:t>
-            </a:r>
-          </a:p>
-          <a:p>
-            <a:pPr algn="just">
-              <a:lnSpc>
-                <a:spcPct val="150000"/>
-              </a:lnSpc>
-              <a:buFont typeface="Wingdings" panose="05000000000000000000" pitchFamily="2" charset="2"/>
-              <a:buChar char="v"/>
-            </a:pPr>
-            <a:r>
-              <a:rPr lang="en-US" sz="2400" dirty="0"/>
-              <a:t>Years with highly rated movies based on customized metascore.</a:t>
-            </a:r>
-          </a:p>
-          <a:p>
-            <a:pPr algn="just">
-              <a:lnSpc>
-                <a:spcPct val="150000"/>
-              </a:lnSpc>
-              <a:buFont typeface="Wingdings" panose="05000000000000000000" pitchFamily="2" charset="2"/>
-              <a:buChar char="v"/>
-            </a:pPr>
-            <a:endParaRPr lang="en-US" sz="2400" dirty="0"/>
-          </a:p>
-          <a:p>
-            <a:pPr algn="just">
-              <a:lnSpc>
-                <a:spcPct val="150000"/>
-              </a:lnSpc>
-              <a:buFont typeface="Wingdings" panose="05000000000000000000" pitchFamily="2" charset="2"/>
-              <a:buChar char="v"/>
-            </a:pPr>
-            <a:endParaRPr lang="en-US" sz="2400" dirty="0"/>
-          </a:p>
-          <a:p>
-            <a:endParaRPr lang="en-US" sz="2000" dirty="0"/>
+              <a:t>We intend to use an IMDB dataset to produce useful information for business and entertainment purposes by asking strategic questions.</a:t>
+            </a:r>
+          </a:p>
+          <a:p>
+            <a:endParaRPr lang="en-US" dirty="0"/>
+          </a:p>
+        </p:txBody>
+      </p:sp>
+      <p:sp>
+        <p:nvSpPr>
+          <p:cNvPr id="6" name="Text Placeholder 5">
+            <a:extLst>
+              <a:ext uri="{FF2B5EF4-FFF2-40B4-BE49-F238E27FC236}">
+                <a16:creationId xmlns:a16="http://schemas.microsoft.com/office/drawing/2014/main" id="{1143F722-8FBC-434D-A45D-1B8A2CEA339F}"/>
+              </a:ext>
+            </a:extLst>
+          </p:cNvPr>
+          <p:cNvSpPr>
+            <a:spLocks noGrp="1"/>
+          </p:cNvSpPr>
+          <p:nvPr>
+            <p:ph type="body" sz="half" idx="2"/>
+          </p:nvPr>
+        </p:nvSpPr>
+        <p:spPr>
+          <a:xfrm>
+            <a:off x="-4701486" y="4145468"/>
+            <a:ext cx="1269826" cy="875737"/>
+          </a:xfrm>
+        </p:spPr>
+        <p:txBody>
+          <a:bodyPr/>
+          <a:lstStyle/>
+          <a:p>
+            <a:endParaRPr lang="en-US" dirty="0"/>
           </a:p>
         </p:txBody>
       </p:sp>
       <p:pic>
         <p:nvPicPr>
-          <p:cNvPr id="5" name="Picture 2" descr="5 Times Hollywood got it Right – Pan and Slam">
-            <a:extLst>
-              <a:ext uri="{FF2B5EF4-FFF2-40B4-BE49-F238E27FC236}">
-                <a16:creationId xmlns:a16="http://schemas.microsoft.com/office/drawing/2014/main" id="{4B2FC8FF-4BA1-47DD-99C5-7A686CF3C128}"/>
+          <p:cNvPr id="1026" name="Picture 2" descr="5 Times Hollywood got it Right – Pan and Slam">
+            <a:extLst>
+              <a:ext uri="{FF2B5EF4-FFF2-40B4-BE49-F238E27FC236}">
+                <a16:creationId xmlns:a16="http://schemas.microsoft.com/office/drawing/2014/main" id="{1C3CAC73-2FB0-4BEB-B822-D5B3C99C6EA7}"/>
               </a:ext>
             </a:extLst>
           </p:cNvPr>
@@ -6296,7 +7719,7 @@
           <p:nvPr/>
         </p:nvPicPr>
         <p:blipFill>
-          <a:blip r:embed="rId3">
+          <a:blip r:embed="rId2">
             <a:extLst>
               <a:ext uri="{28A0092B-C50C-407E-A947-70E740481C1C}">
                 <a14:useLocalDpi xmlns:a14="http://schemas.microsoft.com/office/drawing/2010/main" val="0"/>
@@ -6328,10 +7751,40 @@
           </a:extLst>
         </p:spPr>
       </p:pic>
+      <p:sp>
+        <p:nvSpPr>
+          <p:cNvPr id="3" name="Slide Number Placeholder 2">
+            <a:extLst>
+              <a:ext uri="{FF2B5EF4-FFF2-40B4-BE49-F238E27FC236}">
+                <a16:creationId xmlns:a16="http://schemas.microsoft.com/office/drawing/2014/main" id="{89479FFA-AFF4-4CE3-B75F-634A3E9BF75D}"/>
+              </a:ext>
+            </a:extLst>
+          </p:cNvPr>
+          <p:cNvSpPr>
+            <a:spLocks noGrp="1"/>
+          </p:cNvSpPr>
+          <p:nvPr>
+            <p:ph type="sldNum" sz="quarter" idx="12"/>
+          </p:nvPr>
+        </p:nvSpPr>
+        <p:spPr/>
+        <p:txBody>
+          <a:bodyPr/>
+          <a:lstStyle/>
+          <a:p>
+            <a:fld id="{3A98EE3D-8CD1-4C3F-BD1C-C98C9596463C}" type="slidenum">
+              <a:rPr lang="en-US" smtClean="0"/>
+              <a:pPr/>
+              <a:t>3</a:t>
+            </a:fld>
+            <a:endParaRPr lang="en-US" dirty="0"/>
+          </a:p>
+        </p:txBody>
+      </p:sp>
     </p:spTree>
     <p:extLst>
       <p:ext uri="{BB962C8B-B14F-4D97-AF65-F5344CB8AC3E}">
-        <p14:creationId xmlns:p14="http://schemas.microsoft.com/office/powerpoint/2010/main" val="196941944"/>
+        <p14:creationId xmlns:p14="http://schemas.microsoft.com/office/powerpoint/2010/main" val="832195120"/>
       </p:ext>
     </p:extLst>
   </p:cSld>
@@ -6374,66 +7827,110 @@
             <p:ph type="title"/>
           </p:nvPr>
         </p:nvSpPr>
+        <p:spPr/>
+        <p:txBody>
+          <a:bodyPr/>
+          <a:lstStyle/>
+          <a:p>
+            <a:r>
+              <a:rPr lang="en-US" sz="4000" dirty="0"/>
+              <a:t>Question</a:t>
+            </a:r>
+            <a:r>
+              <a:rPr lang="en-US" dirty="0"/>
+              <a:t> s:</a:t>
+            </a:r>
+          </a:p>
+        </p:txBody>
+      </p:sp>
+      <p:sp>
+        <p:nvSpPr>
+          <p:cNvPr id="3" name="Content Placeholder 2">
+            <a:extLst>
+              <a:ext uri="{FF2B5EF4-FFF2-40B4-BE49-F238E27FC236}">
+                <a16:creationId xmlns:a16="http://schemas.microsoft.com/office/drawing/2014/main" id="{7BBB0686-DE77-4D4C-B02A-30B968FE8C41}"/>
+              </a:ext>
+            </a:extLst>
+          </p:cNvPr>
+          <p:cNvSpPr>
+            <a:spLocks noGrp="1"/>
+          </p:cNvSpPr>
+          <p:nvPr>
+            <p:ph idx="1"/>
+          </p:nvPr>
+        </p:nvSpPr>
         <p:spPr>
           <a:xfrm>
-            <a:off x="643466" y="786383"/>
-            <a:ext cx="3801442" cy="2093975"/>
+            <a:off x="5240869" y="840653"/>
+            <a:ext cx="6856055" cy="5308477"/>
           </a:xfrm>
         </p:spPr>
         <p:txBody>
-          <a:bodyPr/>
-          <a:lstStyle/>
-          <a:p>
-            <a:r>
-              <a:rPr lang="en-US" sz="4000" dirty="0"/>
-              <a:t>Dataset Source</a:t>
-            </a:r>
-            <a:r>
-              <a:rPr lang="en-US" dirty="0"/>
-              <a:t>:</a:t>
-            </a:r>
-          </a:p>
-        </p:txBody>
-      </p:sp>
-      <p:sp>
-        <p:nvSpPr>
-          <p:cNvPr id="3" name="Content Placeholder 2">
-            <a:extLst>
-              <a:ext uri="{FF2B5EF4-FFF2-40B4-BE49-F238E27FC236}">
-                <a16:creationId xmlns:a16="http://schemas.microsoft.com/office/drawing/2014/main" id="{7BBB0686-DE77-4D4C-B02A-30B968FE8C41}"/>
-              </a:ext>
-            </a:extLst>
-          </p:cNvPr>
-          <p:cNvSpPr>
-            <a:spLocks noGrp="1"/>
-          </p:cNvSpPr>
-          <p:nvPr>
-            <p:ph idx="1"/>
-          </p:nvPr>
-        </p:nvSpPr>
-        <p:spPr>
-          <a:xfrm>
-            <a:off x="5458984" y="2199503"/>
-            <a:ext cx="5928344" cy="3908054"/>
-          </a:xfrm>
-        </p:spPr>
-        <p:txBody>
-          <a:bodyPr/>
-          <a:lstStyle/>
-          <a:p>
-            <a:r>
-              <a:rPr lang="en-US" dirty="0"/>
-              <a:t>Source : Kaggle.com</a:t>
-            </a:r>
-          </a:p>
-          <a:p>
-            <a:r>
-              <a:rPr lang="en-US" dirty="0"/>
-              <a:t>https://www.kaggle.com/stefanoleone992/imdb-extensive-dataset</a:t>
-            </a:r>
-          </a:p>
-          <a:p>
-            <a:endParaRPr lang="en-US" dirty="0"/>
+          <a:bodyPr>
+            <a:normAutofit/>
+          </a:bodyPr>
+          <a:lstStyle/>
+          <a:p>
+            <a:pPr algn="just">
+              <a:lnSpc>
+                <a:spcPct val="150000"/>
+              </a:lnSpc>
+              <a:buFont typeface="Wingdings" panose="05000000000000000000" pitchFamily="2" charset="2"/>
+              <a:buChar char="v"/>
+            </a:pPr>
+            <a:r>
+              <a:rPr lang="en-US" sz="2400" dirty="0"/>
+              <a:t>Which studios have the best rate of return on their production budget for division acquisition ?</a:t>
+            </a:r>
+          </a:p>
+          <a:p>
+            <a:pPr algn="just">
+              <a:lnSpc>
+                <a:spcPct val="150000"/>
+              </a:lnSpc>
+              <a:buFont typeface="Wingdings" panose="05000000000000000000" pitchFamily="2" charset="2"/>
+              <a:buChar char="v"/>
+            </a:pPr>
+            <a:r>
+              <a:rPr lang="en-US" sz="2400" dirty="0"/>
+              <a:t>Develop a screening criteria to help users select a movie to watch based on the filters they apply.</a:t>
+            </a:r>
+          </a:p>
+          <a:p>
+            <a:pPr algn="just">
+              <a:lnSpc>
+                <a:spcPct val="150000"/>
+              </a:lnSpc>
+              <a:buFont typeface="Wingdings" panose="05000000000000000000" pitchFamily="2" charset="2"/>
+              <a:buChar char="v"/>
+            </a:pPr>
+            <a:r>
+              <a:rPr lang="en-US" sz="2400" dirty="0"/>
+              <a:t>Years with highly rated movies based on customized metascore.</a:t>
+            </a:r>
+          </a:p>
+          <a:p>
+            <a:pPr algn="just">
+              <a:lnSpc>
+                <a:spcPct val="150000"/>
+              </a:lnSpc>
+              <a:buFont typeface="Wingdings" panose="05000000000000000000" pitchFamily="2" charset="2"/>
+              <a:buChar char="v"/>
+            </a:pPr>
+            <a:endParaRPr lang="en-US" sz="2400" dirty="0"/>
+          </a:p>
+          <a:p>
+            <a:pPr algn="just">
+              <a:lnSpc>
+                <a:spcPct val="150000"/>
+              </a:lnSpc>
+              <a:buFont typeface="Wingdings" panose="05000000000000000000" pitchFamily="2" charset="2"/>
+              <a:buChar char="v"/>
+            </a:pPr>
+            <a:endParaRPr lang="en-US" sz="2400" dirty="0"/>
+          </a:p>
+          <a:p>
+            <a:endParaRPr lang="en-US" sz="2000" dirty="0"/>
           </a:p>
         </p:txBody>
       </p:sp>
@@ -6484,10 +7981,65 @@
           </a:extLst>
         </p:spPr>
       </p:pic>
+      <p:sp>
+        <p:nvSpPr>
+          <p:cNvPr id="4" name="Footer Placeholder 3">
+            <a:extLst>
+              <a:ext uri="{FF2B5EF4-FFF2-40B4-BE49-F238E27FC236}">
+                <a16:creationId xmlns:a16="http://schemas.microsoft.com/office/drawing/2014/main" id="{CC4B7FAF-520B-42B4-B8A8-4E01614DB9DF}"/>
+              </a:ext>
+            </a:extLst>
+          </p:cNvPr>
+          <p:cNvSpPr>
+            <a:spLocks noGrp="1"/>
+          </p:cNvSpPr>
+          <p:nvPr>
+            <p:ph type="ftr" sz="quarter" idx="11"/>
+          </p:nvPr>
+        </p:nvSpPr>
+        <p:spPr/>
+        <p:txBody>
+          <a:bodyPr/>
+          <a:lstStyle/>
+          <a:p>
+            <a:endParaRPr lang="en-US" dirty="0"/>
+          </a:p>
+        </p:txBody>
+      </p:sp>
+      <p:sp>
+        <p:nvSpPr>
+          <p:cNvPr id="6" name="Slide Number Placeholder 5">
+            <a:extLst>
+              <a:ext uri="{FF2B5EF4-FFF2-40B4-BE49-F238E27FC236}">
+                <a16:creationId xmlns:a16="http://schemas.microsoft.com/office/drawing/2014/main" id="{0B5E841A-B55C-4A5C-A2FA-9A6AC8123088}"/>
+              </a:ext>
+            </a:extLst>
+          </p:cNvPr>
+          <p:cNvSpPr>
+            <a:spLocks noGrp="1"/>
+          </p:cNvSpPr>
+          <p:nvPr>
+            <p:ph type="sldNum" sz="quarter" idx="12"/>
+          </p:nvPr>
+        </p:nvSpPr>
+        <p:spPr/>
+        <p:txBody>
+          <a:bodyPr/>
+          <a:lstStyle/>
+          <a:p>
+            <a:fld id="{3A98EE3D-8CD1-4C3F-BD1C-C98C9596463C}" type="slidenum">
+              <a:rPr lang="en-US" smtClean="0"/>
+              <a:pPr/>
+              <a:t>4</a:t>
+            </a:fld>
+            <a:endParaRPr lang="en-US" dirty="0"/>
+          </a:p>
+        </p:txBody>
+      </p:sp>
     </p:spTree>
     <p:extLst>
       <p:ext uri="{BB962C8B-B14F-4D97-AF65-F5344CB8AC3E}">
-        <p14:creationId xmlns:p14="http://schemas.microsoft.com/office/powerpoint/2010/main" val="3610859060"/>
+        <p14:creationId xmlns:p14="http://schemas.microsoft.com/office/powerpoint/2010/main" val="196941944"/>
       </p:ext>
     </p:extLst>
   </p:cSld>
@@ -6542,7 +8094,7 @@
           <a:p>
             <a:r>
               <a:rPr lang="en-US" sz="4000" dirty="0"/>
-              <a:t>Dataset  Cleaning</a:t>
+              <a:t>Dataset Source</a:t>
             </a:r>
             <a:r>
               <a:rPr lang="en-US" dirty="0"/>
@@ -6577,26 +8129,15 @@
           <a:bodyPr/>
           <a:lstStyle/>
           <a:p>
-            <a:endParaRPr lang="en-US" dirty="0"/>
-          </a:p>
-          <a:p>
-            <a:pPr>
-              <a:buFont typeface="Wingdings" panose="05000000000000000000" pitchFamily="2" charset="2"/>
-              <a:buChar char="v"/>
-            </a:pPr>
             <a:r>
               <a:rPr lang="en-US" dirty="0"/>
-              <a:t> We visualized the dataset to understand and select the correct methods for our analysis.</a:t>
-            </a:r>
-          </a:p>
-          <a:p>
-            <a:pPr>
-              <a:buFont typeface="Wingdings" panose="05000000000000000000" pitchFamily="2" charset="2"/>
-              <a:buChar char="v"/>
-            </a:pPr>
+              <a:t>Source : Kaggle.com</a:t>
+            </a:r>
+          </a:p>
+          <a:p>
             <a:r>
               <a:rPr lang="en-US" dirty="0"/>
-              <a:t>We cleaned the data by dropping NAN, removing currency signs and performed other data pre-processing methods.</a:t>
+              <a:t>https://www.kaggle.com/stefanoleone992/imdb-extensive-dataset</a:t>
             </a:r>
           </a:p>
           <a:p>
@@ -6651,10 +8192,65 @@
           </a:extLst>
         </p:spPr>
       </p:pic>
+      <p:sp>
+        <p:nvSpPr>
+          <p:cNvPr id="4" name="Footer Placeholder 3">
+            <a:extLst>
+              <a:ext uri="{FF2B5EF4-FFF2-40B4-BE49-F238E27FC236}">
+                <a16:creationId xmlns:a16="http://schemas.microsoft.com/office/drawing/2014/main" id="{6E8C9556-95F2-4E4A-9ADA-ACAD9A72178A}"/>
+              </a:ext>
+            </a:extLst>
+          </p:cNvPr>
+          <p:cNvSpPr>
+            <a:spLocks noGrp="1"/>
+          </p:cNvSpPr>
+          <p:nvPr>
+            <p:ph type="ftr" sz="quarter" idx="11"/>
+          </p:nvPr>
+        </p:nvSpPr>
+        <p:spPr/>
+        <p:txBody>
+          <a:bodyPr/>
+          <a:lstStyle/>
+          <a:p>
+            <a:endParaRPr lang="en-US" dirty="0"/>
+          </a:p>
+        </p:txBody>
+      </p:sp>
+      <p:sp>
+        <p:nvSpPr>
+          <p:cNvPr id="6" name="Slide Number Placeholder 5">
+            <a:extLst>
+              <a:ext uri="{FF2B5EF4-FFF2-40B4-BE49-F238E27FC236}">
+                <a16:creationId xmlns:a16="http://schemas.microsoft.com/office/drawing/2014/main" id="{7BFDAB7D-3A03-4487-9CED-C487C616E7B8}"/>
+              </a:ext>
+            </a:extLst>
+          </p:cNvPr>
+          <p:cNvSpPr>
+            <a:spLocks noGrp="1"/>
+          </p:cNvSpPr>
+          <p:nvPr>
+            <p:ph type="sldNum" sz="quarter" idx="12"/>
+          </p:nvPr>
+        </p:nvSpPr>
+        <p:spPr/>
+        <p:txBody>
+          <a:bodyPr/>
+          <a:lstStyle/>
+          <a:p>
+            <a:fld id="{3A98EE3D-8CD1-4C3F-BD1C-C98C9596463C}" type="slidenum">
+              <a:rPr lang="en-US" smtClean="0"/>
+              <a:pPr/>
+              <a:t>5</a:t>
+            </a:fld>
+            <a:endParaRPr lang="en-US" dirty="0"/>
+          </a:p>
+        </p:txBody>
+      </p:sp>
     </p:spTree>
     <p:extLst>
       <p:ext uri="{BB962C8B-B14F-4D97-AF65-F5344CB8AC3E}">
-        <p14:creationId xmlns:p14="http://schemas.microsoft.com/office/powerpoint/2010/main" val="687925419"/>
+        <p14:creationId xmlns:p14="http://schemas.microsoft.com/office/powerpoint/2010/main" val="3610859060"/>
       </p:ext>
     </p:extLst>
   </p:cSld>
@@ -6697,18 +8293,23 @@
             <p:ph type="title"/>
           </p:nvPr>
         </p:nvSpPr>
-        <p:spPr/>
+        <p:spPr>
+          <a:xfrm>
+            <a:off x="643466" y="786383"/>
+            <a:ext cx="3801442" cy="2093975"/>
+          </a:xfrm>
+        </p:spPr>
         <p:txBody>
           <a:bodyPr/>
           <a:lstStyle/>
           <a:p>
             <a:r>
               <a:rPr lang="en-US" sz="4000" dirty="0"/>
-              <a:t>Question</a:t>
+              <a:t>Dataset  Cleaning</a:t>
             </a:r>
             <a:r>
               <a:rPr lang="en-US" dirty="0"/>
-              <a:t> 1:</a:t>
+              <a:t>:</a:t>
             </a:r>
           </a:p>
         </p:txBody>
@@ -6739,14 +8340,26 @@
           <a:bodyPr/>
           <a:lstStyle/>
           <a:p>
-            <a:pPr algn="just">
-              <a:lnSpc>
-                <a:spcPct val="150000"/>
-              </a:lnSpc>
+            <a:endParaRPr lang="en-US" dirty="0"/>
+          </a:p>
+          <a:p>
+            <a:pPr>
+              <a:buFont typeface="Wingdings" panose="05000000000000000000" pitchFamily="2" charset="2"/>
+              <a:buChar char="v"/>
             </a:pPr>
             <a:r>
-              <a:rPr lang="en-US" sz="2400" dirty="0"/>
-              <a:t>Which studios have the best rate of return on their production budget for division acquisition ?</a:t>
+              <a:rPr lang="en-US" dirty="0"/>
+              <a:t> We visualized the dataset to understand and select the correct methods for our analysis.</a:t>
+            </a:r>
+          </a:p>
+          <a:p>
+            <a:pPr>
+              <a:buFont typeface="Wingdings" panose="05000000000000000000" pitchFamily="2" charset="2"/>
+              <a:buChar char="v"/>
+            </a:pPr>
+            <a:r>
+              <a:rPr lang="en-US" dirty="0"/>
+              <a:t>We cleaned the data by dropping NAN, removing currency signs and performed other data pre-processing methods.</a:t>
             </a:r>
           </a:p>
           <a:p>
@@ -6801,10 +8414,65 @@
           </a:extLst>
         </p:spPr>
       </p:pic>
+      <p:sp>
+        <p:nvSpPr>
+          <p:cNvPr id="4" name="Footer Placeholder 3">
+            <a:extLst>
+              <a:ext uri="{FF2B5EF4-FFF2-40B4-BE49-F238E27FC236}">
+                <a16:creationId xmlns:a16="http://schemas.microsoft.com/office/drawing/2014/main" id="{513F2605-9B52-4AC2-B46A-7BB222A3485D}"/>
+              </a:ext>
+            </a:extLst>
+          </p:cNvPr>
+          <p:cNvSpPr>
+            <a:spLocks noGrp="1"/>
+          </p:cNvSpPr>
+          <p:nvPr>
+            <p:ph type="ftr" sz="quarter" idx="11"/>
+          </p:nvPr>
+        </p:nvSpPr>
+        <p:spPr/>
+        <p:txBody>
+          <a:bodyPr/>
+          <a:lstStyle/>
+          <a:p>
+            <a:endParaRPr lang="en-US" dirty="0"/>
+          </a:p>
+        </p:txBody>
+      </p:sp>
+      <p:sp>
+        <p:nvSpPr>
+          <p:cNvPr id="6" name="Slide Number Placeholder 5">
+            <a:extLst>
+              <a:ext uri="{FF2B5EF4-FFF2-40B4-BE49-F238E27FC236}">
+                <a16:creationId xmlns:a16="http://schemas.microsoft.com/office/drawing/2014/main" id="{CEB70804-B50F-4FFE-8883-DCBCF81CBF18}"/>
+              </a:ext>
+            </a:extLst>
+          </p:cNvPr>
+          <p:cNvSpPr>
+            <a:spLocks noGrp="1"/>
+          </p:cNvSpPr>
+          <p:nvPr>
+            <p:ph type="sldNum" sz="quarter" idx="12"/>
+          </p:nvPr>
+        </p:nvSpPr>
+        <p:spPr/>
+        <p:txBody>
+          <a:bodyPr/>
+          <a:lstStyle/>
+          <a:p>
+            <a:fld id="{3A98EE3D-8CD1-4C3F-BD1C-C98C9596463C}" type="slidenum">
+              <a:rPr lang="en-US" smtClean="0"/>
+              <a:pPr/>
+              <a:t>6</a:t>
+            </a:fld>
+            <a:endParaRPr lang="en-US" dirty="0"/>
+          </a:p>
+        </p:txBody>
+      </p:sp>
     </p:spTree>
     <p:extLst>
       <p:ext uri="{BB962C8B-B14F-4D97-AF65-F5344CB8AC3E}">
-        <p14:creationId xmlns:p14="http://schemas.microsoft.com/office/powerpoint/2010/main" val="3109502653"/>
+        <p14:creationId xmlns:p14="http://schemas.microsoft.com/office/powerpoint/2010/main" val="687925419"/>
       </p:ext>
     </p:extLst>
   </p:cSld>
@@ -6817,14 +8485,6 @@
 <file path=ppt/slides/slide7.xml><?xml version="1.0" encoding="utf-8"?>
 <p:sld xmlns:a="http://schemas.openxmlformats.org/drawingml/2006/main" xmlns:r="http://schemas.openxmlformats.org/officeDocument/2006/relationships" xmlns:p="http://schemas.openxmlformats.org/presentationml/2006/main">
   <p:cSld>
-    <p:bg>
-      <p:bgPr>
-        <a:solidFill>
-          <a:schemeClr val="bg1"/>
-        </a:solidFill>
-        <a:effectLst/>
-      </p:bgPr>
-    </p:bg>
     <p:spTree>
       <p:nvGrpSpPr>
         <p:cNvPr id="1" name=""/>
@@ -6839,360 +8499,160 @@
           <a:chExt cx="0" cy="0"/>
         </a:xfrm>
       </p:grpSpPr>
-      <p:sp useBgFill="1">
-        <p:nvSpPr>
-          <p:cNvPr id="20" name="Rectangle 11">
-            <a:extLst>
-              <a:ext uri="{FF2B5EF4-FFF2-40B4-BE49-F238E27FC236}">
-                <a16:creationId xmlns:a16="http://schemas.microsoft.com/office/drawing/2014/main" id="{F64BBAA4-C62B-4146-B49F-FE4CC4655EE0}"/>
-              </a:ext>
-              <a:ext uri="{C183D7F6-B498-43B3-948B-1728B52AA6E4}">
-                <adec:decorative xmlns:adec="http://schemas.microsoft.com/office/drawing/2017/decorative" val="1"/>
-              </a:ext>
-            </a:extLst>
-          </p:cNvPr>
-          <p:cNvSpPr>
-            <a:spLocks noGrp="1" noRot="1" noChangeAspect="1" noMove="1" noResize="1" noEditPoints="1" noAdjustHandles="1" noChangeArrowheads="1" noChangeShapeType="1" noTextEdit="1"/>
-          </p:cNvSpPr>
-          <p:nvPr>
-            <p:extLst>
-              <p:ext uri="{386F3935-93C4-4BCD-93E2-E3B085C9AB24}">
-                <p16:designElem xmlns:p16="http://schemas.microsoft.com/office/powerpoint/2015/main" val="1"/>
-              </p:ext>
-            </p:extLst>
+      <p:sp>
+        <p:nvSpPr>
+          <p:cNvPr id="2" name="Title 1">
+            <a:extLst>
+              <a:ext uri="{FF2B5EF4-FFF2-40B4-BE49-F238E27FC236}">
+                <a16:creationId xmlns:a16="http://schemas.microsoft.com/office/drawing/2014/main" id="{58CA372C-4978-D54C-9B89-51CCEAD39F6D}"/>
+              </a:ext>
+            </a:extLst>
+          </p:cNvPr>
+          <p:cNvSpPr>
+            <a:spLocks noGrp="1"/>
+          </p:cNvSpPr>
+          <p:nvPr>
+            <p:ph type="title"/>
+          </p:nvPr>
+        </p:nvSpPr>
+        <p:spPr/>
+        <p:txBody>
+          <a:bodyPr/>
+          <a:lstStyle/>
+          <a:p>
+            <a:r>
+              <a:rPr lang="en-US" sz="4000" dirty="0"/>
+              <a:t>Question</a:t>
+            </a:r>
+            <a:r>
+              <a:rPr lang="en-US" dirty="0"/>
+              <a:t> 1:</a:t>
+            </a:r>
+          </a:p>
+        </p:txBody>
+      </p:sp>
+      <p:sp>
+        <p:nvSpPr>
+          <p:cNvPr id="3" name="Content Placeholder 2">
+            <a:extLst>
+              <a:ext uri="{FF2B5EF4-FFF2-40B4-BE49-F238E27FC236}">
+                <a16:creationId xmlns:a16="http://schemas.microsoft.com/office/drawing/2014/main" id="{7BBB0686-DE77-4D4C-B02A-30B968FE8C41}"/>
+              </a:ext>
+            </a:extLst>
+          </p:cNvPr>
+          <p:cNvSpPr>
+            <a:spLocks noGrp="1"/>
+          </p:cNvSpPr>
+          <p:nvPr>
+            <p:ph idx="1"/>
           </p:nvPr>
         </p:nvSpPr>
         <p:spPr>
           <a:xfrm>
-            <a:off x="0" y="0"/>
-            <a:ext cx="12192001" cy="6858000"/>
+            <a:off x="5458984" y="2199503"/>
+            <a:ext cx="5928344" cy="3908054"/>
+          </a:xfrm>
+        </p:spPr>
+        <p:txBody>
+          <a:bodyPr/>
+          <a:lstStyle/>
+          <a:p>
+            <a:pPr algn="just">
+              <a:lnSpc>
+                <a:spcPct val="150000"/>
+              </a:lnSpc>
+            </a:pPr>
+            <a:r>
+              <a:rPr lang="en-US" sz="2400" dirty="0"/>
+              <a:t>Which studios have the best rate of return on their production budget for division acquisition ?</a:t>
+            </a:r>
+          </a:p>
+          <a:p>
+            <a:endParaRPr lang="en-US" dirty="0"/>
+          </a:p>
+        </p:txBody>
+      </p:sp>
+      <p:pic>
+        <p:nvPicPr>
+          <p:cNvPr id="5" name="Picture 2" descr="5 Times Hollywood got it Right – Pan and Slam">
+            <a:extLst>
+              <a:ext uri="{FF2B5EF4-FFF2-40B4-BE49-F238E27FC236}">
+                <a16:creationId xmlns:a16="http://schemas.microsoft.com/office/drawing/2014/main" id="{4B2FC8FF-4BA1-47DD-99C5-7A686CF3C128}"/>
+              </a:ext>
+            </a:extLst>
+          </p:cNvPr>
+          <p:cNvPicPr>
+            <a:picLocks noChangeAspect="1" noChangeArrowheads="1"/>
+          </p:cNvPicPr>
+          <p:nvPr/>
+        </p:nvPicPr>
+        <p:blipFill>
+          <a:blip r:embed="rId3">
+            <a:extLst>
+              <a:ext uri="{28A0092B-C50C-407E-A947-70E740481C1C}">
+                <a14:useLocalDpi xmlns:a14="http://schemas.microsoft.com/office/drawing/2010/main" val="0"/>
+              </a:ext>
+            </a:extLst>
+          </a:blip>
+          <a:srcRect/>
+          <a:stretch>
+            <a:fillRect/>
+          </a:stretch>
+        </p:blipFill>
+        <p:spPr bwMode="auto">
+          <a:xfrm>
+            <a:off x="209726" y="3328332"/>
+            <a:ext cx="4235182" cy="2820798"/>
           </a:xfrm>
           <a:prstGeom prst="rect">
             <a:avLst/>
           </a:prstGeom>
-          <a:ln>
-            <a:noFill/>
-          </a:ln>
-        </p:spPr>
-        <p:style>
-          <a:lnRef idx="2">
-            <a:schemeClr val="accent1">
-              <a:shade val="50000"/>
-            </a:schemeClr>
-          </a:lnRef>
-          <a:fillRef idx="1">
-            <a:schemeClr val="accent1"/>
-          </a:fillRef>
-          <a:effectRef idx="0">
-            <a:schemeClr val="accent1"/>
-          </a:effectRef>
-          <a:fontRef idx="minor">
-            <a:schemeClr val="lt1"/>
-          </a:fontRef>
-        </p:style>
-        <p:txBody>
-          <a:bodyPr rtlCol="0" anchor="ctr"/>
-          <a:lstStyle/>
-          <a:p>
-            <a:pPr algn="ctr"/>
-            <a:endParaRPr lang="en-US"/>
-          </a:p>
-        </p:txBody>
-      </p:sp>
-      <p:sp>
-        <p:nvSpPr>
-          <p:cNvPr id="2" name="Title 1">
-            <a:extLst>
-              <a:ext uri="{FF2B5EF4-FFF2-40B4-BE49-F238E27FC236}">
-                <a16:creationId xmlns:a16="http://schemas.microsoft.com/office/drawing/2014/main" id="{91187DE2-11E5-5846-82DD-6DB6F2549DE8}"/>
-              </a:ext>
-            </a:extLst>
-          </p:cNvPr>
-          <p:cNvSpPr>
-            <a:spLocks noGrp="1"/>
-          </p:cNvSpPr>
-          <p:nvPr>
-            <p:ph type="title"/>
-          </p:nvPr>
-        </p:nvSpPr>
-        <p:spPr>
-          <a:xfrm>
-            <a:off x="433439" y="671407"/>
-            <a:ext cx="3941062" cy="1674180"/>
-          </a:xfrm>
-        </p:spPr>
-        <p:txBody>
-          <a:bodyPr>
-            <a:normAutofit fontScale="90000"/>
-          </a:bodyPr>
-          <a:lstStyle/>
-          <a:p>
-            <a:r>
-              <a:rPr lang="en-US" sz="4000" dirty="0">
+          <a:noFill/>
+          <a:extLst>
+            <a:ext uri="{909E8E84-426E-40DD-AFC4-6F175D3DCCD1}">
+              <a14:hiddenFill xmlns:a14="http://schemas.microsoft.com/office/drawing/2010/main">
                 <a:solidFill>
-                  <a:schemeClr val="tx1"/>
+                  <a:srgbClr val="FFFFFF"/>
                 </a:solidFill>
-              </a:rPr>
-              <a:t>Studios </a:t>
-            </a:r>
-            <a:br>
-              <a:rPr lang="en-US" sz="4000" dirty="0">
-                <a:solidFill>
-                  <a:schemeClr val="tx1"/>
-                </a:solidFill>
-              </a:rPr>
-            </a:br>
-            <a:r>
-              <a:rPr lang="en-US" sz="4000" dirty="0">
-                <a:solidFill>
-                  <a:schemeClr val="tx1"/>
-                </a:solidFill>
-              </a:rPr>
-              <a:t>Budgets &amp; Profits</a:t>
-            </a:r>
-          </a:p>
-        </p:txBody>
-      </p:sp>
-      <p:cxnSp>
-        <p:nvCxnSpPr>
-          <p:cNvPr id="21" name="Straight Connector 13">
-            <a:extLst>
-              <a:ext uri="{FF2B5EF4-FFF2-40B4-BE49-F238E27FC236}">
-                <a16:creationId xmlns:a16="http://schemas.microsoft.com/office/drawing/2014/main" id="{EEB57AA8-F021-480C-A9E2-F89913313611}"/>
-              </a:ext>
-              <a:ext uri="{C183D7F6-B498-43B3-948B-1728B52AA6E4}">
-                <adec:decorative xmlns:adec="http://schemas.microsoft.com/office/drawing/2017/decorative" val="1"/>
-              </a:ext>
-            </a:extLst>
-          </p:cNvPr>
-          <p:cNvCxnSpPr>
-            <a:cxnSpLocks noGrp="1" noRot="1" noChangeAspect="1" noMove="1" noResize="1" noEditPoints="1" noAdjustHandles="1" noChangeArrowheads="1" noChangeShapeType="1"/>
-          </p:cNvCxnSpPr>
-          <p:nvPr>
-            <p:extLst>
-              <p:ext uri="{386F3935-93C4-4BCD-93E2-E3B085C9AB24}">
-                <p16:designElem xmlns:p16="http://schemas.microsoft.com/office/powerpoint/2015/main" val="1"/>
-              </p:ext>
-            </p:extLst>
-          </p:nvPr>
-        </p:nvCxnSpPr>
-        <p:spPr>
-          <a:xfrm>
-            <a:off x="962164" y="2478513"/>
-            <a:ext cx="2926080" cy="0"/>
-          </a:xfrm>
-          <a:prstGeom prst="line">
-            <a:avLst/>
-          </a:prstGeom>
-          <a:ln>
-            <a:solidFill>
-              <a:schemeClr val="tx1">
-                <a:lumMod val="75000"/>
-                <a:lumOff val="25000"/>
-              </a:schemeClr>
-            </a:solidFill>
-          </a:ln>
-        </p:spPr>
-        <p:style>
-          <a:lnRef idx="1">
-            <a:schemeClr val="accent1"/>
-          </a:lnRef>
-          <a:fillRef idx="0">
-            <a:schemeClr val="accent1"/>
-          </a:fillRef>
-          <a:effectRef idx="0">
-            <a:schemeClr val="accent1"/>
-          </a:effectRef>
-          <a:fontRef idx="minor">
-            <a:schemeClr val="tx1"/>
-          </a:fontRef>
-        </p:style>
-      </p:cxnSp>
-      <p:sp>
-        <p:nvSpPr>
-          <p:cNvPr id="9" name="Content Placeholder 8">
-            <a:extLst>
-              <a:ext uri="{FF2B5EF4-FFF2-40B4-BE49-F238E27FC236}">
-                <a16:creationId xmlns:a16="http://schemas.microsoft.com/office/drawing/2014/main" id="{C1F9E430-4F5E-4474-9EE4-4115616EFFF7}"/>
-              </a:ext>
-            </a:extLst>
-          </p:cNvPr>
-          <p:cNvSpPr>
-            <a:spLocks noGrp="1"/>
-          </p:cNvSpPr>
-          <p:nvPr>
-            <p:ph idx="1"/>
-          </p:nvPr>
-        </p:nvSpPr>
-        <p:spPr>
-          <a:xfrm>
-            <a:off x="858064" y="2639380"/>
-            <a:ext cx="3205049" cy="3229714"/>
-          </a:xfrm>
-        </p:spPr>
-        <p:txBody>
-          <a:bodyPr>
-            <a:normAutofit lnSpcReduction="10000"/>
-          </a:bodyPr>
-          <a:lstStyle/>
-          <a:p>
-            <a:pPr>
-              <a:buClr>
-                <a:srgbClr val="FF9300"/>
-              </a:buClr>
-              <a:buFont typeface="Wingdings" pitchFamily="2" charset="2"/>
-              <a:buChar char="v"/>
-            </a:pPr>
-            <a:r>
-              <a:rPr lang="en-US" sz="2000" dirty="0">
-                <a:solidFill>
-                  <a:schemeClr val="tx1"/>
-                </a:solidFill>
-              </a:rPr>
-              <a:t>Workout the from </a:t>
-            </a:r>
-          </a:p>
-          <a:p>
-            <a:pPr marL="0" indent="0">
-              <a:buClr>
-                <a:srgbClr val="FF9300"/>
-              </a:buClr>
-              <a:buNone/>
-            </a:pPr>
-            <a:r>
-              <a:rPr lang="en-US" sz="1400" b="1" dirty="0">
-                <a:solidFill>
-                  <a:schemeClr val="tx1"/>
-                </a:solidFill>
-              </a:rPr>
-              <a:t>	profit = gross - budget</a:t>
-            </a:r>
-          </a:p>
-          <a:p>
-            <a:pPr>
-              <a:buClr>
-                <a:srgbClr val="FF9300"/>
-              </a:buClr>
-              <a:buFont typeface="Wingdings" pitchFamily="2" charset="2"/>
-              <a:buChar char="v"/>
-            </a:pPr>
-            <a:r>
-              <a:rPr lang="en-US" sz="2000" dirty="0">
-                <a:solidFill>
-                  <a:schemeClr val="tx1"/>
-                </a:solidFill>
-              </a:rPr>
-              <a:t>Plotted top 10 profitable movies</a:t>
-            </a:r>
-          </a:p>
-          <a:p>
-            <a:pPr>
-              <a:buClr>
-                <a:srgbClr val="FF9300"/>
-              </a:buClr>
-              <a:buFont typeface="Wingdings" pitchFamily="2" charset="2"/>
-              <a:buChar char="v"/>
-            </a:pPr>
-            <a:r>
-              <a:rPr lang="en-US" sz="2000" dirty="0">
-                <a:solidFill>
-                  <a:schemeClr val="tx1"/>
-                </a:solidFill>
-              </a:rPr>
-              <a:t>Having one profitable movie does not necessarily makes a studio most profitable</a:t>
-            </a:r>
-          </a:p>
-        </p:txBody>
-      </p:sp>
-      <p:sp>
-        <p:nvSpPr>
-          <p:cNvPr id="22" name="Rectangle 15">
-            <a:extLst>
-              <a:ext uri="{FF2B5EF4-FFF2-40B4-BE49-F238E27FC236}">
-                <a16:creationId xmlns:a16="http://schemas.microsoft.com/office/drawing/2014/main" id="{6BF36B24-6632-4516-9692-731462896C1F}"/>
-              </a:ext>
-              <a:ext uri="{C183D7F6-B498-43B3-948B-1728B52AA6E4}">
-                <adec:decorative xmlns:adec="http://schemas.microsoft.com/office/drawing/2017/decorative" val="1"/>
-              </a:ext>
-            </a:extLst>
-          </p:cNvPr>
-          <p:cNvSpPr>
-            <a:spLocks noGrp="1" noRot="1" noChangeAspect="1" noMove="1" noResize="1" noEditPoints="1" noAdjustHandles="1" noChangeArrowheads="1" noChangeShapeType="1" noTextEdit="1"/>
-          </p:cNvSpPr>
-          <p:nvPr>
-            <p:extLst>
-              <p:ext uri="{386F3935-93C4-4BCD-93E2-E3B085C9AB24}">
-                <p16:designElem xmlns:p16="http://schemas.microsoft.com/office/powerpoint/2015/main" val="1"/>
-              </p:ext>
-            </p:extLst>
-          </p:nvPr>
-        </p:nvSpPr>
-        <p:spPr>
-          <a:xfrm>
-            <a:off x="0" y="6400800"/>
-            <a:ext cx="12192000" cy="457200"/>
-          </a:xfrm>
-          <a:prstGeom prst="rect">
-            <a:avLst/>
-          </a:prstGeom>
-          <a:solidFill>
-            <a:srgbClr val="262626"/>
-          </a:solidFill>
-          <a:ln>
-            <a:noFill/>
-          </a:ln>
-        </p:spPr>
-        <p:style>
-          <a:lnRef idx="2">
-            <a:schemeClr val="accent1">
-              <a:shade val="50000"/>
-            </a:schemeClr>
-          </a:lnRef>
-          <a:fillRef idx="1">
-            <a:schemeClr val="accent1"/>
-          </a:fillRef>
-          <a:effectRef idx="0">
-            <a:schemeClr val="accent1"/>
-          </a:effectRef>
-          <a:fontRef idx="minor">
-            <a:schemeClr val="lt1"/>
-          </a:fontRef>
-        </p:style>
-      </p:sp>
-      <p:pic>
-        <p:nvPicPr>
-          <p:cNvPr id="7" name="Picture 6">
-            <a:extLst>
-              <a:ext uri="{FF2B5EF4-FFF2-40B4-BE49-F238E27FC236}">
-                <a16:creationId xmlns:a16="http://schemas.microsoft.com/office/drawing/2014/main" id="{C8311C30-5169-4AB4-BB3B-3D5152FE3549}"/>
-              </a:ext>
-            </a:extLst>
-          </p:cNvPr>
-          <p:cNvPicPr>
-            <a:picLocks noChangeAspect="1"/>
-          </p:cNvPicPr>
-          <p:nvPr/>
-        </p:nvPicPr>
-        <p:blipFill>
-          <a:blip r:embed="rId2"/>
-          <a:stretch>
-            <a:fillRect/>
-          </a:stretch>
-        </p:blipFill>
-        <p:spPr>
-          <a:xfrm>
-            <a:off x="5025276" y="88490"/>
-            <a:ext cx="7333181" cy="6201563"/>
-          </a:xfrm>
-          <a:prstGeom prst="rect">
-            <a:avLst/>
-          </a:prstGeom>
+              </a14:hiddenFill>
+            </a:ext>
+          </a:extLst>
         </p:spPr>
       </p:pic>
+      <p:sp>
+        <p:nvSpPr>
+          <p:cNvPr id="6" name="Slide Number Placeholder 5">
+            <a:extLst>
+              <a:ext uri="{FF2B5EF4-FFF2-40B4-BE49-F238E27FC236}">
+                <a16:creationId xmlns:a16="http://schemas.microsoft.com/office/drawing/2014/main" id="{DA9D4878-5794-40A0-8B29-454CCC178A7D}"/>
+              </a:ext>
+            </a:extLst>
+          </p:cNvPr>
+          <p:cNvSpPr>
+            <a:spLocks noGrp="1"/>
+          </p:cNvSpPr>
+          <p:nvPr>
+            <p:ph type="sldNum" sz="quarter" idx="12"/>
+          </p:nvPr>
+        </p:nvSpPr>
+        <p:spPr/>
+        <p:txBody>
+          <a:bodyPr/>
+          <a:lstStyle/>
+          <a:p>
+            <a:fld id="{3A98EE3D-8CD1-4C3F-BD1C-C98C9596463C}" type="slidenum">
+              <a:rPr lang="en-US" smtClean="0"/>
+              <a:pPr/>
+              <a:t>7</a:t>
+            </a:fld>
+            <a:endParaRPr lang="en-US" dirty="0"/>
+          </a:p>
+        </p:txBody>
+      </p:sp>
     </p:spTree>
     <p:extLst>
       <p:ext uri="{BB962C8B-B14F-4D97-AF65-F5344CB8AC3E}">
-        <p14:creationId xmlns:p14="http://schemas.microsoft.com/office/powerpoint/2010/main" val="3631677544"/>
+        <p14:creationId xmlns:p14="http://schemas.microsoft.com/office/powerpoint/2010/main" val="3109502653"/>
       </p:ext>
     </p:extLst>
   </p:cSld>
@@ -7420,7 +8880,7 @@
         </p:spPr>
         <p:txBody>
           <a:bodyPr>
-            <a:normAutofit/>
+            <a:normAutofit lnSpcReduction="10000"/>
           </a:bodyPr>
           <a:lstStyle/>
           <a:p>
@@ -7437,7 +8897,7 @@
                   <a:schemeClr val="tx1"/>
                 </a:solidFill>
               </a:rPr>
-              <a:t>Deduced the profit/loss as follows: </a:t>
+              <a:t>Workout the from </a:t>
             </a:r>
           </a:p>
           <a:p>
@@ -7470,7 +8930,7 @@
                   <a:schemeClr val="tx1"/>
                 </a:solidFill>
               </a:rPr>
-              <a:t>Produced 20 studios with topmost profit.</a:t>
+              <a:t>Plotted top 10 profitable movies</a:t>
             </a:r>
           </a:p>
           <a:p>
@@ -7487,7 +8947,7 @@
                   <a:schemeClr val="tx1"/>
                 </a:solidFill>
               </a:rPr>
-              <a:t>Plot the studios showing the budget and profit.</a:t>
+              <a:t>Having one profitable movie does not necessarily makes a studio most profitable</a:t>
             </a:r>
           </a:p>
         </p:txBody>
@@ -7549,10 +9009,10 @@
       </p:sp>
       <p:pic>
         <p:nvPicPr>
-          <p:cNvPr id="3" name="Picture 2">
-            <a:extLst>
-              <a:ext uri="{FF2B5EF4-FFF2-40B4-BE49-F238E27FC236}">
-                <a16:creationId xmlns:a16="http://schemas.microsoft.com/office/drawing/2014/main" id="{3E6C9F16-470C-4F05-8D33-B1B1F815126E}"/>
+          <p:cNvPr id="7" name="Picture 6">
+            <a:extLst>
+              <a:ext uri="{FF2B5EF4-FFF2-40B4-BE49-F238E27FC236}">
+                <a16:creationId xmlns:a16="http://schemas.microsoft.com/office/drawing/2014/main" id="{C8311C30-5169-4AB4-BB3B-3D5152FE3549}"/>
               </a:ext>
             </a:extLst>
           </p:cNvPr>
@@ -7569,18 +9029,72 @@
         </p:blipFill>
         <p:spPr>
           <a:xfrm>
-            <a:off x="4374501" y="251797"/>
-            <a:ext cx="7663336" cy="5883150"/>
+            <a:off x="5025276" y="88490"/>
+            <a:ext cx="7333181" cy="6201563"/>
           </a:xfrm>
           <a:prstGeom prst="rect">
             <a:avLst/>
           </a:prstGeom>
         </p:spPr>
       </p:pic>
+      <p:sp>
+        <p:nvSpPr>
+          <p:cNvPr id="3" name="Footer Placeholder 2">
+            <a:extLst>
+              <a:ext uri="{FF2B5EF4-FFF2-40B4-BE49-F238E27FC236}">
+                <a16:creationId xmlns:a16="http://schemas.microsoft.com/office/drawing/2014/main" id="{609412B5-8E3B-43F7-8BB2-7460903FF7FB}"/>
+              </a:ext>
+            </a:extLst>
+          </p:cNvPr>
+          <p:cNvSpPr>
+            <a:spLocks noGrp="1"/>
+          </p:cNvSpPr>
+          <p:nvPr>
+            <p:ph type="ftr" sz="quarter" idx="11"/>
+          </p:nvPr>
+        </p:nvSpPr>
+        <p:spPr/>
+        <p:txBody>
+          <a:bodyPr/>
+          <a:lstStyle/>
+          <a:p>
+            <a:endParaRPr lang="en-US" dirty="0"/>
+          </a:p>
+        </p:txBody>
+      </p:sp>
+      <p:sp>
+        <p:nvSpPr>
+          <p:cNvPr id="4" name="Slide Number Placeholder 3">
+            <a:extLst>
+              <a:ext uri="{FF2B5EF4-FFF2-40B4-BE49-F238E27FC236}">
+                <a16:creationId xmlns:a16="http://schemas.microsoft.com/office/drawing/2014/main" id="{786F7E0B-CD0C-405F-9CBD-1575FCB7C3DC}"/>
+              </a:ext>
+            </a:extLst>
+          </p:cNvPr>
+          <p:cNvSpPr>
+            <a:spLocks noGrp="1"/>
+          </p:cNvSpPr>
+          <p:nvPr>
+            <p:ph type="sldNum" sz="quarter" idx="12"/>
+          </p:nvPr>
+        </p:nvSpPr>
+        <p:spPr/>
+        <p:txBody>
+          <a:bodyPr/>
+          <a:lstStyle/>
+          <a:p>
+            <a:fld id="{3A98EE3D-8CD1-4C3F-BD1C-C98C9596463C}" type="slidenum">
+              <a:rPr lang="en-US" smtClean="0"/>
+              <a:t>8</a:t>
+            </a:fld>
+            <a:endParaRPr lang="en-US" dirty="0"/>
+          </a:p>
+        </p:txBody>
+      </p:sp>
     </p:spTree>
     <p:extLst>
       <p:ext uri="{BB962C8B-B14F-4D97-AF65-F5344CB8AC3E}">
-        <p14:creationId xmlns:p14="http://schemas.microsoft.com/office/powerpoint/2010/main" val="3951030835"/>
+        <p14:creationId xmlns:p14="http://schemas.microsoft.com/office/powerpoint/2010/main" val="3631677544"/>
       </p:ext>
     </p:extLst>
   </p:cSld>
@@ -7615,119 +9129,9 @@
           <a:chExt cx="0" cy="0"/>
         </a:xfrm>
       </p:grpSpPr>
-      <p:sp>
-        <p:nvSpPr>
-          <p:cNvPr id="11" name="Rectangle 10">
-            <a:extLst>
-              <a:ext uri="{FF2B5EF4-FFF2-40B4-BE49-F238E27FC236}">
-                <a16:creationId xmlns:a16="http://schemas.microsoft.com/office/drawing/2014/main" id="{416A0E3C-60E6-4F39-BC55-5F7C224E1F7C}"/>
-              </a:ext>
-              <a:ext uri="{C183D7F6-B498-43B3-948B-1728B52AA6E4}">
-                <adec:decorative xmlns:adec="http://schemas.microsoft.com/office/drawing/2017/decorative" val="1"/>
-              </a:ext>
-            </a:extLst>
-          </p:cNvPr>
-          <p:cNvSpPr>
-            <a:spLocks noGrp="1" noRot="1" noChangeAspect="1" noMove="1" noResize="1" noEditPoints="1" noAdjustHandles="1" noChangeArrowheads="1" noChangeShapeType="1" noTextEdit="1"/>
-          </p:cNvSpPr>
-          <p:nvPr>
-            <p:extLst>
-              <p:ext uri="{386F3935-93C4-4BCD-93E2-E3B085C9AB24}">
-                <p16:designElem xmlns:p16="http://schemas.microsoft.com/office/powerpoint/2015/main" val="1"/>
-              </p:ext>
-            </p:extLst>
-          </p:nvPr>
-        </p:nvSpPr>
-        <p:spPr>
-          <a:xfrm>
-            <a:off x="3175" y="6400800"/>
-            <a:ext cx="12188825" cy="457200"/>
-          </a:xfrm>
-          <a:prstGeom prst="rect">
-            <a:avLst/>
-          </a:prstGeom>
-          <a:solidFill>
-            <a:srgbClr val="262626"/>
-          </a:solidFill>
-          <a:ln>
-            <a:noFill/>
-          </a:ln>
-        </p:spPr>
-        <p:style>
-          <a:lnRef idx="2">
-            <a:schemeClr val="accent1">
-              <a:shade val="50000"/>
-            </a:schemeClr>
-          </a:lnRef>
-          <a:fillRef idx="1">
-            <a:schemeClr val="accent1"/>
-          </a:fillRef>
-          <a:effectRef idx="0">
-            <a:schemeClr val="accent1"/>
-          </a:effectRef>
-          <a:fontRef idx="minor">
-            <a:schemeClr val="lt1"/>
-          </a:fontRef>
-        </p:style>
-      </p:sp>
-      <p:cxnSp>
-        <p:nvCxnSpPr>
-          <p:cNvPr id="13" name="Straight Connector 12">
-            <a:extLst>
-              <a:ext uri="{FF2B5EF4-FFF2-40B4-BE49-F238E27FC236}">
-                <a16:creationId xmlns:a16="http://schemas.microsoft.com/office/drawing/2014/main" id="{C5025DAC-8B93-4160-B017-3A274A5828C0}"/>
-              </a:ext>
-              <a:ext uri="{C183D7F6-B498-43B3-948B-1728B52AA6E4}">
-                <adec:decorative xmlns:adec="http://schemas.microsoft.com/office/drawing/2017/decorative" val="1"/>
-              </a:ext>
-            </a:extLst>
-          </p:cNvPr>
-          <p:cNvCxnSpPr>
-            <a:cxnSpLocks noGrp="1" noRot="1" noChangeAspect="1" noMove="1" noResize="1" noEditPoints="1" noAdjustHandles="1" noChangeArrowheads="1" noChangeShapeType="1"/>
-          </p:cNvCxnSpPr>
-          <p:nvPr>
-            <p:extLst>
-              <p:ext uri="{386F3935-93C4-4BCD-93E2-E3B085C9AB24}">
-                <p16:designElem xmlns:p16="http://schemas.microsoft.com/office/powerpoint/2015/main" val="1"/>
-              </p:ext>
-            </p:extLst>
-          </p:nvPr>
-        </p:nvCxnSpPr>
-        <p:spPr>
-          <a:xfrm>
-            <a:off x="1193532" y="1897380"/>
-            <a:ext cx="9966960" cy="0"/>
-          </a:xfrm>
-          <a:prstGeom prst="line">
-            <a:avLst/>
-          </a:prstGeom>
-          <a:ln w="12700">
-            <a:solidFill>
-              <a:schemeClr val="tx1">
-                <a:lumMod val="75000"/>
-                <a:lumOff val="25000"/>
-              </a:schemeClr>
-            </a:solidFill>
-          </a:ln>
-        </p:spPr>
-        <p:style>
-          <a:lnRef idx="1">
-            <a:schemeClr val="accent1"/>
-          </a:lnRef>
-          <a:fillRef idx="0">
-            <a:schemeClr val="accent1"/>
-          </a:fillRef>
-          <a:effectRef idx="0">
-            <a:schemeClr val="accent1"/>
-          </a:effectRef>
-          <a:fontRef idx="minor">
-            <a:schemeClr val="tx1"/>
-          </a:fontRef>
-        </p:style>
-      </p:cxnSp>
       <p:sp useBgFill="1">
         <p:nvSpPr>
-          <p:cNvPr id="15" name="Rectangle 14">
+          <p:cNvPr id="20" name="Rectangle 11">
             <a:extLst>
               <a:ext uri="{FF2B5EF4-FFF2-40B4-BE49-F238E27FC236}">
                 <a16:creationId xmlns:a16="http://schemas.microsoft.com/office/drawing/2014/main" id="{F64BBAA4-C62B-4146-B49F-FE4CC4655EE0}"/>
@@ -7790,7 +9194,7 @@
           <p:cNvPr id="2" name="Title 1">
             <a:extLst>
               <a:ext uri="{FF2B5EF4-FFF2-40B4-BE49-F238E27FC236}">
-                <a16:creationId xmlns:a16="http://schemas.microsoft.com/office/drawing/2014/main" id="{804DCBEC-79B0-654D-B406-5A5F0D124109}"/>
+                <a16:creationId xmlns:a16="http://schemas.microsoft.com/office/drawing/2014/main" id="{91187DE2-11E5-5846-82DD-6DB6F2549DE8}"/>
               </a:ext>
             </a:extLst>
           </p:cNvPr>
@@ -7803,12 +9207,12 @@
         </p:nvSpPr>
         <p:spPr>
           <a:xfrm>
-            <a:off x="878911" y="643468"/>
-            <a:ext cx="3177847" cy="1674180"/>
+            <a:off x="433439" y="671407"/>
+            <a:ext cx="3941062" cy="1674180"/>
           </a:xfrm>
         </p:spPr>
         <p:txBody>
-          <a:bodyPr vert="horz" lIns="91440" tIns="45720" rIns="91440" bIns="45720" rtlCol="0" anchor="b">
+          <a:bodyPr>
             <a:normAutofit fontScale="90000"/>
           </a:bodyPr>
           <a:lstStyle/>
@@ -7834,14 +9238,14 @@
                   <a:schemeClr val="tx1"/>
                 </a:solidFill>
               </a:rPr>
-              <a:t>Budgets &amp; Profits Cont’d</a:t>
+              <a:t>Budgets &amp; Profits</a:t>
             </a:r>
           </a:p>
         </p:txBody>
       </p:sp>
       <p:cxnSp>
         <p:nvCxnSpPr>
-          <p:cNvPr id="17" name="Straight Connector 16">
+          <p:cNvPr id="21" name="Straight Connector 13">
             <a:extLst>
               <a:ext uri="{FF2B5EF4-FFF2-40B4-BE49-F238E27FC236}">
                 <a16:creationId xmlns:a16="http://schemas.microsoft.com/office/drawing/2014/main" id="{EEB57AA8-F021-480C-A9E2-F89913313611}"/>
@@ -7896,18 +9300,18 @@
       </p:cxnSp>
       <p:sp>
         <p:nvSpPr>
-          <p:cNvPr id="4" name="Text Placeholder 3">
-            <a:extLst>
-              <a:ext uri="{FF2B5EF4-FFF2-40B4-BE49-F238E27FC236}">
-                <a16:creationId xmlns:a16="http://schemas.microsoft.com/office/drawing/2014/main" id="{D4636684-7798-2647-8508-AD0756FEE1C7}"/>
-              </a:ext>
-            </a:extLst>
-          </p:cNvPr>
-          <p:cNvSpPr>
-            <a:spLocks noGrp="1"/>
-          </p:cNvSpPr>
-          <p:nvPr>
-            <p:ph type="body" sz="half" idx="2"/>
+          <p:cNvPr id="9" name="Content Placeholder 8">
+            <a:extLst>
+              <a:ext uri="{FF2B5EF4-FFF2-40B4-BE49-F238E27FC236}">
+                <a16:creationId xmlns:a16="http://schemas.microsoft.com/office/drawing/2014/main" id="{C1F9E430-4F5E-4474-9EE4-4115616EFFF7}"/>
+              </a:ext>
+            </a:extLst>
+          </p:cNvPr>
+          <p:cNvSpPr>
+            <a:spLocks noGrp="1"/>
+          </p:cNvSpPr>
+          <p:nvPr>
+            <p:ph idx="1"/>
           </p:nvPr>
         </p:nvSpPr>
         <p:spPr>
@@ -7917,7 +9321,7 @@
           </a:xfrm>
         </p:spPr>
         <p:txBody>
-          <a:bodyPr vert="horz" lIns="0" tIns="45720" rIns="0" bIns="45720" rtlCol="0">
+          <a:bodyPr>
             <a:normAutofit/>
           </a:bodyPr>
           <a:lstStyle/>
@@ -7935,7 +9339,23 @@
                   <a:schemeClr val="tx1"/>
                 </a:solidFill>
               </a:rPr>
-              <a:t>Studios with greatest reported losses</a:t>
+              <a:t>Deduced the profit/loss as follows: </a:t>
+            </a:r>
+          </a:p>
+          <a:p>
+            <a:pPr marL="0" indent="0">
+              <a:buClr>
+                <a:srgbClr val="FF9300"/>
+              </a:buClr>
+              <a:buNone/>
+            </a:pPr>
+            <a:r>
+              <a:rPr lang="en-US" sz="1400" b="1" dirty="0">
+                <a:solidFill>
+                  <a:schemeClr val="tx1"/>
+                </a:solidFill>
+              </a:rPr>
+              <a:t>	profit = gross - budget</a:t>
             </a:r>
           </a:p>
           <a:p>
@@ -7943,65 +9363,40 @@
               <a:buClr>
                 <a:srgbClr val="FF9300"/>
               </a:buClr>
+              <a:buFont typeface="Wingdings" pitchFamily="2" charset="2"/>
+              <a:buChar char="v"/>
             </a:pPr>
-            <a:endParaRPr lang="en-US" sz="2000" dirty="0">
-              <a:solidFill>
-                <a:schemeClr val="tx1"/>
-              </a:solidFill>
-            </a:endParaRPr>
+            <a:r>
+              <a:rPr lang="en-US" sz="2000" dirty="0">
+                <a:solidFill>
+                  <a:schemeClr val="tx1"/>
+                </a:solidFill>
+              </a:rPr>
+              <a:t>Produced 20 studios with topmost profit.</a:t>
+            </a:r>
           </a:p>
           <a:p>
             <a:pPr>
-              <a:lnSpc>
-                <a:spcPct val="100000"/>
-              </a:lnSpc>
+              <a:buClr>
+                <a:srgbClr val="FF9300"/>
+              </a:buClr>
+              <a:buFont typeface="Wingdings" pitchFamily="2" charset="2"/>
+              <a:buChar char="v"/>
             </a:pPr>
-            <a:endParaRPr lang="en-US" sz="2000" dirty="0">
-              <a:solidFill>
-                <a:schemeClr val="tx1">
-                  <a:lumMod val="75000"/>
-                  <a:lumOff val="25000"/>
-                </a:schemeClr>
-              </a:solidFill>
-            </a:endParaRPr>
-          </a:p>
-        </p:txBody>
-      </p:sp>
-      <p:pic>
-        <p:nvPicPr>
-          <p:cNvPr id="6" name="Content Placeholder 5" descr="A picture containing chart&#10;&#10;Description automatically generated">
-            <a:extLst>
-              <a:ext uri="{FF2B5EF4-FFF2-40B4-BE49-F238E27FC236}">
-                <a16:creationId xmlns:a16="http://schemas.microsoft.com/office/drawing/2014/main" id="{EA10FAE9-2E49-E646-8B8F-8CE1399A7F56}"/>
-              </a:ext>
-            </a:extLst>
-          </p:cNvPr>
-          <p:cNvPicPr>
-            <a:picLocks noGrp="1" noChangeAspect="1"/>
-          </p:cNvPicPr>
-          <p:nvPr>
-            <p:ph idx="1"/>
-          </p:nvPr>
-        </p:nvPicPr>
-        <p:blipFill>
-          <a:blip r:embed="rId2"/>
-          <a:stretch>
-            <a:fillRect/>
-          </a:stretch>
-        </p:blipFill>
-        <p:spPr>
-          <a:xfrm>
-            <a:off x="4603560" y="140054"/>
-            <a:ext cx="7271283" cy="6235124"/>
-          </a:xfrm>
-          <a:prstGeom prst="rect">
-            <a:avLst/>
-          </a:prstGeom>
-        </p:spPr>
-      </p:pic>
-      <p:sp>
-        <p:nvSpPr>
-          <p:cNvPr id="19" name="Rectangle 18">
+            <a:r>
+              <a:rPr lang="en-US" sz="2000" dirty="0">
+                <a:solidFill>
+                  <a:schemeClr val="tx1"/>
+                </a:solidFill>
+              </a:rPr>
+              <a:t>Plot the studios showing the budget and profit.</a:t>
+            </a:r>
+          </a:p>
+        </p:txBody>
+      </p:sp>
+      <p:sp>
+        <p:nvSpPr>
+          <p:cNvPr id="22" name="Rectangle 15">
             <a:extLst>
               <a:ext uri="{FF2B5EF4-FFF2-40B4-BE49-F238E27FC236}">
                 <a16:creationId xmlns:a16="http://schemas.microsoft.com/office/drawing/2014/main" id="{6BF36B24-6632-4516-9692-731462896C1F}"/>
@@ -8054,10 +9449,94 @@
           </a:fontRef>
         </p:style>
       </p:sp>
+      <p:pic>
+        <p:nvPicPr>
+          <p:cNvPr id="3" name="Picture 2">
+            <a:extLst>
+              <a:ext uri="{FF2B5EF4-FFF2-40B4-BE49-F238E27FC236}">
+                <a16:creationId xmlns:a16="http://schemas.microsoft.com/office/drawing/2014/main" id="{3E6C9F16-470C-4F05-8D33-B1B1F815126E}"/>
+              </a:ext>
+            </a:extLst>
+          </p:cNvPr>
+          <p:cNvPicPr>
+            <a:picLocks noChangeAspect="1"/>
+          </p:cNvPicPr>
+          <p:nvPr/>
+        </p:nvPicPr>
+        <p:blipFill>
+          <a:blip r:embed="rId2"/>
+          <a:stretch>
+            <a:fillRect/>
+          </a:stretch>
+        </p:blipFill>
+        <p:spPr>
+          <a:xfrm>
+            <a:off x="4374501" y="251797"/>
+            <a:ext cx="7663336" cy="5883150"/>
+          </a:xfrm>
+          <a:prstGeom prst="rect">
+            <a:avLst/>
+          </a:prstGeom>
+        </p:spPr>
+      </p:pic>
+      <p:sp>
+        <p:nvSpPr>
+          <p:cNvPr id="4" name="Footer Placeholder 3">
+            <a:extLst>
+              <a:ext uri="{FF2B5EF4-FFF2-40B4-BE49-F238E27FC236}">
+                <a16:creationId xmlns:a16="http://schemas.microsoft.com/office/drawing/2014/main" id="{7E47CD83-F03A-4E04-AEB0-B7CF03FC60F4}"/>
+              </a:ext>
+            </a:extLst>
+          </p:cNvPr>
+          <p:cNvSpPr>
+            <a:spLocks noGrp="1"/>
+          </p:cNvSpPr>
+          <p:nvPr>
+            <p:ph type="ftr" sz="quarter" idx="11"/>
+          </p:nvPr>
+        </p:nvSpPr>
+        <p:spPr/>
+        <p:txBody>
+          <a:bodyPr/>
+          <a:lstStyle/>
+          <a:p>
+            <a:endParaRPr lang="en-US" dirty="0"/>
+          </a:p>
+        </p:txBody>
+      </p:sp>
+      <p:sp>
+        <p:nvSpPr>
+          <p:cNvPr id="5" name="Slide Number Placeholder 4">
+            <a:extLst>
+              <a:ext uri="{FF2B5EF4-FFF2-40B4-BE49-F238E27FC236}">
+                <a16:creationId xmlns:a16="http://schemas.microsoft.com/office/drawing/2014/main" id="{28E1F272-380B-4F37-A821-E46B22EE5E0A}"/>
+              </a:ext>
+            </a:extLst>
+          </p:cNvPr>
+          <p:cNvSpPr>
+            <a:spLocks noGrp="1"/>
+          </p:cNvSpPr>
+          <p:nvPr>
+            <p:ph type="sldNum" sz="quarter" idx="12"/>
+          </p:nvPr>
+        </p:nvSpPr>
+        <p:spPr/>
+        <p:txBody>
+          <a:bodyPr/>
+          <a:lstStyle/>
+          <a:p>
+            <a:fld id="{3A98EE3D-8CD1-4C3F-BD1C-C98C9596463C}" type="slidenum">
+              <a:rPr lang="en-US" smtClean="0"/>
+              <a:t>9</a:t>
+            </a:fld>
+            <a:endParaRPr lang="en-US" dirty="0"/>
+          </a:p>
+        </p:txBody>
+      </p:sp>
     </p:spTree>
     <p:extLst>
       <p:ext uri="{BB962C8B-B14F-4D97-AF65-F5344CB8AC3E}">
-        <p14:creationId xmlns:p14="http://schemas.microsoft.com/office/powerpoint/2010/main" val="1413605823"/>
+        <p14:creationId xmlns:p14="http://schemas.microsoft.com/office/powerpoint/2010/main" val="3951030835"/>
       </p:ext>
     </p:extLst>
   </p:cSld>

--- a/TeamCassava_Presentation.pptx
+++ b/TeamCassava_Presentation.pptx
@@ -611,6 +611,134 @@
         <p:txBody>
           <a:bodyPr/>
           <a:lstStyle/>
+          <a:p>
+            <a:r>
+              <a:rPr lang="en-US" b="0" i="0" u="sng" dirty="0">
+                <a:solidFill>
+                  <a:srgbClr val="FAA700"/>
+                </a:solidFill>
+                <a:effectLst/>
+                <a:latin typeface="Arial" panose="020B0604020202020204" pitchFamily="34" charset="0"/>
+                <a:hlinkClick r:id="rId3"/>
+              </a:rPr>
+              <a:t>Facebook, Inc.</a:t>
+            </a:r>
+            <a:r>
+              <a:rPr lang="en-US" b="0" i="0" dirty="0">
+                <a:solidFill>
+                  <a:srgbClr val="202122"/>
+                </a:solidFill>
+                <a:effectLst/>
+                <a:latin typeface="Arial" panose="020B0604020202020204" pitchFamily="34" charset="0"/>
+              </a:rPr>
+              <a:t> is a </a:t>
+            </a:r>
+            <a:r>
+              <a:rPr lang="en-US" b="0" i="0" u="none" strike="noStrike" dirty="0">
+                <a:solidFill>
+                  <a:srgbClr val="0645AD"/>
+                </a:solidFill>
+                <a:effectLst/>
+                <a:latin typeface="Arial" panose="020B0604020202020204" pitchFamily="34" charset="0"/>
+                <a:hlinkClick r:id="rId4" tooltip="Social networking"/>
+              </a:rPr>
+              <a:t>social networking</a:t>
+            </a:r>
+            <a:r>
+              <a:rPr lang="en-US" b="0" i="0" dirty="0">
+                <a:solidFill>
+                  <a:srgbClr val="202122"/>
+                </a:solidFill>
+                <a:effectLst/>
+                <a:latin typeface="Arial" panose="020B0604020202020204" pitchFamily="34" charset="0"/>
+              </a:rPr>
+              <a:t> company that has acquired 89 other companies, including </a:t>
+            </a:r>
+            <a:r>
+              <a:rPr lang="en-US" b="0" i="0" u="none" strike="noStrike" dirty="0">
+                <a:solidFill>
+                  <a:srgbClr val="0645AD"/>
+                </a:solidFill>
+                <a:effectLst/>
+                <a:latin typeface="Arial" panose="020B0604020202020204" pitchFamily="34" charset="0"/>
+                <a:hlinkClick r:id="rId5" tooltip="WhatsApp"/>
+              </a:rPr>
+              <a:t>WhatsApp</a:t>
+            </a:r>
+            <a:r>
+              <a:rPr lang="en-US" b="0" i="0" dirty="0">
+                <a:solidFill>
+                  <a:srgbClr val="202122"/>
+                </a:solidFill>
+                <a:effectLst/>
+                <a:latin typeface="Arial" panose="020B0604020202020204" pitchFamily="34" charset="0"/>
+              </a:rPr>
+              <a:t>.</a:t>
+            </a:r>
+          </a:p>
+          <a:p>
+            <a:r>
+              <a:rPr lang="en-US" b="0" i="0" dirty="0">
+                <a:solidFill>
+                  <a:srgbClr val="202122"/>
+                </a:solidFill>
+                <a:effectLst/>
+                <a:latin typeface="Arial" panose="020B0604020202020204" pitchFamily="34" charset="0"/>
+              </a:rPr>
+              <a:t>Disney own – </a:t>
+            </a:r>
+            <a:r>
+              <a:rPr lang="en-US" b="0" i="0" dirty="0" err="1">
+                <a:solidFill>
+                  <a:srgbClr val="202122"/>
+                </a:solidFill>
+                <a:effectLst/>
+                <a:latin typeface="Arial" panose="020B0604020202020204" pitchFamily="34" charset="0"/>
+              </a:rPr>
+              <a:t>pixar</a:t>
+            </a:r>
+            <a:r>
+              <a:rPr lang="en-US" b="0" i="0" dirty="0">
+                <a:solidFill>
+                  <a:srgbClr val="202122"/>
+                </a:solidFill>
+                <a:effectLst/>
+                <a:latin typeface="Arial" panose="020B0604020202020204" pitchFamily="34" charset="0"/>
+              </a:rPr>
+              <a:t>, </a:t>
+            </a:r>
+            <a:r>
+              <a:rPr lang="en-US" b="0" i="0" dirty="0" err="1">
+                <a:solidFill>
+                  <a:srgbClr val="202122"/>
+                </a:solidFill>
+                <a:effectLst/>
+                <a:latin typeface="Arial" panose="020B0604020202020204" pitchFamily="34" charset="0"/>
+              </a:rPr>
+              <a:t>espn</a:t>
+            </a:r>
+            <a:r>
+              <a:rPr lang="en-US" b="0" i="0" dirty="0">
+                <a:solidFill>
+                  <a:srgbClr val="202122"/>
+                </a:solidFill>
+                <a:effectLst/>
+                <a:latin typeface="Arial" panose="020B0604020202020204" pitchFamily="34" charset="0"/>
+              </a:rPr>
+              <a:t> , marvel </a:t>
+            </a:r>
+            <a:r>
+              <a:rPr lang="en-US" b="0" i="0">
+                <a:solidFill>
+                  <a:srgbClr val="202122"/>
+                </a:solidFill>
+                <a:effectLst/>
+                <a:latin typeface="Arial" panose="020B0604020202020204" pitchFamily="34" charset="0"/>
+              </a:rPr>
+              <a:t>and others</a:t>
+            </a:r>
+            <a:endParaRPr lang="en-US"/>
+          </a:p>
           <a:p>
             <a:r>
               <a:rPr lang="en-US" dirty="0"/>
@@ -7838,7 +7966,7 @@
             </a:r>
             <a:r>
               <a:rPr lang="en-US" dirty="0"/>
-              <a:t> s:</a:t>
+              <a:t> 1:</a:t>
             </a:r>
           </a:p>
         </p:txBody>
@@ -8332,8 +8460,8 @@
         </p:nvSpPr>
         <p:spPr>
           <a:xfrm>
-            <a:off x="5458984" y="2199503"/>
-            <a:ext cx="5928344" cy="3908054"/>
+            <a:off x="5458984" y="1533378"/>
+            <a:ext cx="5928344" cy="4574179"/>
           </a:xfrm>
         </p:spPr>
         <p:txBody>
